--- a/Tools/绘图.pptx
+++ b/Tools/绘图.pptx
@@ -3336,14 +3336,14 @@
           <p:nvPr>
             <p:extLst>
               <p:ext uri="{D42A27DB-BD31-4B8C-83A1-F6EECF244321}">
-                <p14:modId xmlns:p14="http://schemas.microsoft.com/office/powerpoint/2010/main" val="34812702"/>
+                <p14:modId xmlns:p14="http://schemas.microsoft.com/office/powerpoint/2010/main" val="4127881753"/>
               </p:ext>
             </p:extLst>
           </p:nvPr>
         </p:nvGraphicFramePr>
         <p:xfrm>
           <a:off x="2032000" y="719666"/>
-          <a:ext cx="8127999" cy="1854200"/>
+          <a:ext cx="8127999" cy="2123440"/>
         </p:xfrm>
         <a:graphic>
           <a:graphicData uri="http://schemas.openxmlformats.org/drawingml/2006/table">
@@ -3429,7 +3429,11 @@
                     <a:bodyPr/>
                     <a:lstStyle/>
                     <a:p>
-                      <a:endParaRPr lang="zh-CN" altLang="en-US"/>
+                      <a:r>
+                        <a:rPr lang="en-US" altLang="zh-CN" dirty="0"/>
+                        <a:t>p</a:t>
+                      </a:r>
+                      <a:endParaRPr lang="zh-CN" altLang="en-US" dirty="0"/>
                     </a:p>
                   </a:txBody>
                   <a:tcPr/>
@@ -3439,7 +3443,36 @@
                     <a:bodyPr/>
                     <a:lstStyle/>
                     <a:p>
-                      <a:endParaRPr lang="zh-CN" altLang="en-US"/>
+                      <a:pPr marL="0" marR="0" lvl="0" indent="0" algn="l" defTabSz="914400" rtl="0" eaLnBrk="1" fontAlgn="auto" latinLnBrk="0" hangingPunct="1">
+                        <a:lnSpc>
+                          <a:spcPct val="100000"/>
+                        </a:lnSpc>
+                        <a:spcBef>
+                          <a:spcPts val="0"/>
+                        </a:spcBef>
+                        <a:spcAft>
+                          <a:spcPts val="0"/>
+                        </a:spcAft>
+                        <a:buClrTx/>
+                        <a:buSzTx/>
+                        <a:buFontTx/>
+                        <a:buNone/>
+                        <a:tabLst/>
+                        <a:defRPr/>
+                      </a:pPr>
+                      <a:r>
+                        <a:rPr lang="en-US" altLang="zh-CN" sz="1800" b="0" kern="1200" dirty="0">
+                          <a:solidFill>
+                            <a:schemeClr val="dk1"/>
+                          </a:solidFill>
+                          <a:effectLst/>
+                          <a:latin typeface="+mn-lt"/>
+                          <a:ea typeface="+mn-ea"/>
+                          <a:cs typeface="+mn-cs"/>
+                        </a:rPr>
+                        <a:t>000000000061FE10</a:t>
+                      </a:r>
+                      <a:endParaRPr lang="zh-CN" altLang="en-US" dirty="0"/>
                     </a:p>
                   </a:txBody>
                   <a:tcPr/>
@@ -3449,7 +3482,36 @@
                     <a:bodyPr/>
                     <a:lstStyle/>
                     <a:p>
-                      <a:endParaRPr lang="zh-CN" altLang="en-US"/>
+                      <a:pPr marL="0" marR="0" lvl="0" indent="0" algn="l" defTabSz="914400" rtl="0" eaLnBrk="1" fontAlgn="auto" latinLnBrk="0" hangingPunct="1">
+                        <a:lnSpc>
+                          <a:spcPct val="100000"/>
+                        </a:lnSpc>
+                        <a:spcBef>
+                          <a:spcPts val="0"/>
+                        </a:spcBef>
+                        <a:spcAft>
+                          <a:spcPts val="0"/>
+                        </a:spcAft>
+                        <a:buClrTx/>
+                        <a:buSzTx/>
+                        <a:buFontTx/>
+                        <a:buNone/>
+                        <a:tabLst/>
+                        <a:defRPr/>
+                      </a:pPr>
+                      <a:r>
+                        <a:rPr lang="en-US" altLang="zh-CN" sz="1800" b="0" kern="1200" dirty="0">
+                          <a:solidFill>
+                            <a:schemeClr val="dk1"/>
+                          </a:solidFill>
+                          <a:effectLst/>
+                          <a:latin typeface="+mn-lt"/>
+                          <a:ea typeface="+mn-ea"/>
+                          <a:cs typeface="+mn-cs"/>
+                        </a:rPr>
+                        <a:t>000000000061FE14</a:t>
+                      </a:r>
+                      <a:endParaRPr lang="zh-CN" altLang="en-US" dirty="0"/>
                     </a:p>
                   </a:txBody>
                   <a:tcPr/>
@@ -3466,7 +3528,11 @@
                     <a:bodyPr/>
                     <a:lstStyle/>
                     <a:p>
-                      <a:endParaRPr lang="zh-CN" altLang="en-US"/>
+                      <a:r>
+                        <a:rPr lang="en-US" altLang="zh-CN"/>
+                        <a:t>var</a:t>
+                      </a:r>
+                      <a:endParaRPr lang="zh-CN" altLang="en-US" dirty="0"/>
                     </a:p>
                   </a:txBody>
                   <a:tcPr/>
@@ -3476,7 +3542,38 @@
                     <a:bodyPr/>
                     <a:lstStyle/>
                     <a:p>
-                      <a:endParaRPr lang="zh-CN" altLang="en-US"/>
+                      <a:pPr marL="0" marR="0" lvl="0" indent="0" algn="l" defTabSz="914400" rtl="0" eaLnBrk="1" fontAlgn="auto" latinLnBrk="0" hangingPunct="1">
+                        <a:lnSpc>
+                          <a:spcPct val="100000"/>
+                        </a:lnSpc>
+                        <a:spcBef>
+                          <a:spcPts val="0"/>
+                        </a:spcBef>
+                        <a:spcAft>
+                          <a:spcPts val="0"/>
+                        </a:spcAft>
+                        <a:buClrTx/>
+                        <a:buSzTx/>
+                        <a:buFontTx/>
+                        <a:buNone/>
+                        <a:tabLst/>
+                        <a:defRPr/>
+                      </a:pPr>
+                      <a:r>
+                        <a:rPr lang="en-US" altLang="zh-CN" sz="1800" b="0" kern="1200" dirty="0">
+                          <a:solidFill>
+                            <a:schemeClr val="dk1"/>
+                          </a:solidFill>
+                          <a:effectLst/>
+                          <a:latin typeface="+mn-lt"/>
+                          <a:ea typeface="+mn-ea"/>
+                          <a:cs typeface="+mn-cs"/>
+                        </a:rPr>
+                        <a:t>000000000061FE14</a:t>
+                      </a:r>
+                    </a:p>
+                    <a:p>
+                      <a:endParaRPr lang="zh-CN" altLang="en-US" dirty="0"/>
                     </a:p>
                   </a:txBody>
                   <a:tcPr/>
@@ -3486,7 +3583,11 @@
                     <a:bodyPr/>
                     <a:lstStyle/>
                     <a:p>
-                      <a:endParaRPr lang="zh-CN" altLang="en-US"/>
+                      <a:r>
+                        <a:rPr lang="en-US" altLang="zh-CN" dirty="0"/>
+                        <a:t>20</a:t>
+                      </a:r>
+                      <a:endParaRPr lang="zh-CN" altLang="en-US" dirty="0"/>
                     </a:p>
                   </a:txBody>
                   <a:tcPr/>
@@ -3503,7 +3604,7 @@
                     <a:bodyPr/>
                     <a:lstStyle/>
                     <a:p>
-                      <a:endParaRPr lang="zh-CN" altLang="en-US"/>
+                      <a:endParaRPr lang="zh-CN" altLang="en-US" dirty="0"/>
                     </a:p>
                   </a:txBody>
                   <a:tcPr/>
@@ -3513,7 +3614,7 @@
                     <a:bodyPr/>
                     <a:lstStyle/>
                     <a:p>
-                      <a:endParaRPr lang="zh-CN" altLang="en-US"/>
+                      <a:endParaRPr lang="zh-CN" altLang="en-US" dirty="0"/>
                     </a:p>
                   </a:txBody>
                   <a:tcPr/>
@@ -3540,7 +3641,7 @@
                     <a:bodyPr/>
                     <a:lstStyle/>
                     <a:p>
-                      <a:endParaRPr lang="zh-CN" altLang="en-US"/>
+                      <a:endParaRPr lang="zh-CN" altLang="en-US" dirty="0"/>
                     </a:p>
                   </a:txBody>
                   <a:tcPr/>
@@ -3550,7 +3651,7 @@
                     <a:bodyPr/>
                     <a:lstStyle/>
                     <a:p>
-                      <a:endParaRPr lang="zh-CN" altLang="en-US"/>
+                      <a:endParaRPr lang="zh-CN" altLang="en-US" dirty="0"/>
                     </a:p>
                   </a:txBody>
                   <a:tcPr/>

--- a/Tools/绘图.pptx
+++ b/Tools/绘图.pptx
@@ -3336,14 +3336,14 @@
           <p:nvPr>
             <p:extLst>
               <p:ext uri="{D42A27DB-BD31-4B8C-83A1-F6EECF244321}">
-                <p14:modId xmlns:p14="http://schemas.microsoft.com/office/powerpoint/2010/main" val="4127881753"/>
+                <p14:modId xmlns:p14="http://schemas.microsoft.com/office/powerpoint/2010/main" val="1215229929"/>
               </p:ext>
             </p:extLst>
           </p:nvPr>
         </p:nvGraphicFramePr>
         <p:xfrm>
-          <a:off x="2032000" y="719666"/>
-          <a:ext cx="8127999" cy="2123440"/>
+          <a:off x="1834037" y="757373"/>
+          <a:ext cx="8127999" cy="2226523"/>
         </p:xfrm>
         <a:graphic>
           <a:graphicData uri="http://schemas.openxmlformats.org/drawingml/2006/table">
@@ -3374,7 +3374,7 @@
                   </a:extLst>
                 </a:gridCol>
               </a:tblGrid>
-              <a:tr h="370840">
+              <a:tr h="450286">
                 <a:tc>
                   <a:txBody>
                     <a:bodyPr/>
@@ -3423,7 +3423,7 @@
                   </a:ext>
                 </a:extLst>
               </a:tr>
-              <a:tr h="370840">
+              <a:tr h="450286">
                 <a:tc>
                   <a:txBody>
                     <a:bodyPr/>
@@ -3461,7 +3461,7 @@
                         <a:defRPr/>
                       </a:pPr>
                       <a:r>
-                        <a:rPr lang="en-US" altLang="zh-CN" sz="1800" b="0" kern="1200" dirty="0">
+                        <a:rPr lang="en-US" altLang="zh-CN" sz="1800" kern="1200" dirty="0">
                           <a:solidFill>
                             <a:schemeClr val="dk1"/>
                           </a:solidFill>
@@ -3500,7 +3500,7 @@
                         <a:defRPr/>
                       </a:pPr>
                       <a:r>
-                        <a:rPr lang="en-US" altLang="zh-CN" sz="1800" b="0" kern="1200" dirty="0">
+                        <a:rPr lang="en-US" altLang="zh-CN" sz="1800" kern="1200">
                           <a:solidFill>
                             <a:schemeClr val="dk1"/>
                           </a:solidFill>
@@ -3509,7 +3509,7 @@
                           <a:ea typeface="+mn-ea"/>
                           <a:cs typeface="+mn-cs"/>
                         </a:rPr>
-                        <a:t>000000000061FE14</a:t>
+                        <a:t>000000000061FE1C</a:t>
                       </a:r>
                       <a:endParaRPr lang="zh-CN" altLang="en-US" dirty="0"/>
                     </a:p>
@@ -3522,14 +3522,14 @@
                   </a:ext>
                 </a:extLst>
               </a:tr>
-              <a:tr h="370840">
+              <a:tr h="425379">
                 <a:tc>
                   <a:txBody>
                     <a:bodyPr/>
                     <a:lstStyle/>
                     <a:p>
                       <a:r>
-                        <a:rPr lang="en-US" altLang="zh-CN"/>
+                        <a:rPr lang="en-US" altLang="zh-CN" dirty="0"/>
                         <a:t>var</a:t>
                       </a:r>
                       <a:endParaRPr lang="zh-CN" altLang="en-US" dirty="0"/>
@@ -3560,7 +3560,7 @@
                         <a:defRPr/>
                       </a:pPr>
                       <a:r>
-                        <a:rPr lang="en-US" altLang="zh-CN" sz="1800" b="0" kern="1200" dirty="0">
+                        <a:rPr lang="en-US" altLang="zh-CN" sz="1800" kern="1200" dirty="0">
                           <a:solidFill>
                             <a:schemeClr val="dk1"/>
                           </a:solidFill>
@@ -3569,10 +3569,8 @@
                           <a:ea typeface="+mn-ea"/>
                           <a:cs typeface="+mn-cs"/>
                         </a:rPr>
-                        <a:t>000000000061FE14</a:t>
+                        <a:t>000000000061FE1C</a:t>
                       </a:r>
-                    </a:p>
-                    <a:p>
                       <a:endParaRPr lang="zh-CN" altLang="en-US" dirty="0"/>
                     </a:p>
                   </a:txBody>
@@ -3598,7 +3596,7 @@
                   </a:ext>
                 </a:extLst>
               </a:tr>
-              <a:tr h="370840">
+              <a:tr h="450286">
                 <a:tc>
                   <a:txBody>
                     <a:bodyPr/>
@@ -3635,7 +3633,7 @@
                   </a:ext>
                 </a:extLst>
               </a:tr>
-              <a:tr h="370840">
+              <a:tr h="450286">
                 <a:tc>
                   <a:txBody>
                     <a:bodyPr/>

--- a/Tools/绘图.pptx
+++ b/Tools/绘图.pptx
@@ -6,6 +6,7 @@
   </p:sldMasterIdLst>
   <p:sldIdLst>
     <p:sldId id="256" r:id="rId2"/>
+    <p:sldId id="257" r:id="rId3"/>
   </p:sldIdLst>
   <p:sldSz cx="12192000" cy="6858000"/>
   <p:notesSz cx="6858000" cy="9144000"/>
@@ -104,6 +105,11 @@
       </a:defRPr>
     </a:lvl9pPr>
   </p:defaultTextStyle>
+  <p:extLst>
+    <p:ext uri="{EFAFB233-063F-42B5-8137-9DF3F51BA10A}">
+      <p15:sldGuideLst xmlns:p15="http://schemas.microsoft.com/office/powerpoint/2012/main"/>
+    </p:ext>
+  </p:extLst>
 </p:presentation>
 </file>
 
@@ -254,7 +260,7 @@
           <a:p>
             <a:fld id="{94DC9B80-1D1A-47F6-BFDC-26A4231E1CDD}" type="datetimeFigureOut">
               <a:rPr lang="zh-CN" altLang="en-US" smtClean="0"/>
-              <a:t>2020/3/2</a:t>
+              <a:t>2020/3/3</a:t>
             </a:fld>
             <a:endParaRPr lang="zh-CN" altLang="en-US"/>
           </a:p>
@@ -452,7 +458,7 @@
           <a:p>
             <a:fld id="{94DC9B80-1D1A-47F6-BFDC-26A4231E1CDD}" type="datetimeFigureOut">
               <a:rPr lang="zh-CN" altLang="en-US" smtClean="0"/>
-              <a:t>2020/3/2</a:t>
+              <a:t>2020/3/3</a:t>
             </a:fld>
             <a:endParaRPr lang="zh-CN" altLang="en-US"/>
           </a:p>
@@ -660,7 +666,7 @@
           <a:p>
             <a:fld id="{94DC9B80-1D1A-47F6-BFDC-26A4231E1CDD}" type="datetimeFigureOut">
               <a:rPr lang="zh-CN" altLang="en-US" smtClean="0"/>
-              <a:t>2020/3/2</a:t>
+              <a:t>2020/3/3</a:t>
             </a:fld>
             <a:endParaRPr lang="zh-CN" altLang="en-US"/>
           </a:p>
@@ -858,7 +864,7 @@
           <a:p>
             <a:fld id="{94DC9B80-1D1A-47F6-BFDC-26A4231E1CDD}" type="datetimeFigureOut">
               <a:rPr lang="zh-CN" altLang="en-US" smtClean="0"/>
-              <a:t>2020/3/2</a:t>
+              <a:t>2020/3/3</a:t>
             </a:fld>
             <a:endParaRPr lang="zh-CN" altLang="en-US"/>
           </a:p>
@@ -1133,7 +1139,7 @@
           <a:p>
             <a:fld id="{94DC9B80-1D1A-47F6-BFDC-26A4231E1CDD}" type="datetimeFigureOut">
               <a:rPr lang="zh-CN" altLang="en-US" smtClean="0"/>
-              <a:t>2020/3/2</a:t>
+              <a:t>2020/3/3</a:t>
             </a:fld>
             <a:endParaRPr lang="zh-CN" altLang="en-US"/>
           </a:p>
@@ -1398,7 +1404,7 @@
           <a:p>
             <a:fld id="{94DC9B80-1D1A-47F6-BFDC-26A4231E1CDD}" type="datetimeFigureOut">
               <a:rPr lang="zh-CN" altLang="en-US" smtClean="0"/>
-              <a:t>2020/3/2</a:t>
+              <a:t>2020/3/3</a:t>
             </a:fld>
             <a:endParaRPr lang="zh-CN" altLang="en-US"/>
           </a:p>
@@ -1810,7 +1816,7 @@
           <a:p>
             <a:fld id="{94DC9B80-1D1A-47F6-BFDC-26A4231E1CDD}" type="datetimeFigureOut">
               <a:rPr lang="zh-CN" altLang="en-US" smtClean="0"/>
-              <a:t>2020/3/2</a:t>
+              <a:t>2020/3/3</a:t>
             </a:fld>
             <a:endParaRPr lang="zh-CN" altLang="en-US"/>
           </a:p>
@@ -1951,7 +1957,7 @@
           <a:p>
             <a:fld id="{94DC9B80-1D1A-47F6-BFDC-26A4231E1CDD}" type="datetimeFigureOut">
               <a:rPr lang="zh-CN" altLang="en-US" smtClean="0"/>
-              <a:t>2020/3/2</a:t>
+              <a:t>2020/3/3</a:t>
             </a:fld>
             <a:endParaRPr lang="zh-CN" altLang="en-US"/>
           </a:p>
@@ -2064,7 +2070,7 @@
           <a:p>
             <a:fld id="{94DC9B80-1D1A-47F6-BFDC-26A4231E1CDD}" type="datetimeFigureOut">
               <a:rPr lang="zh-CN" altLang="en-US" smtClean="0"/>
-              <a:t>2020/3/2</a:t>
+              <a:t>2020/3/3</a:t>
             </a:fld>
             <a:endParaRPr lang="zh-CN" altLang="en-US"/>
           </a:p>
@@ -2375,7 +2381,7 @@
           <a:p>
             <a:fld id="{94DC9B80-1D1A-47F6-BFDC-26A4231E1CDD}" type="datetimeFigureOut">
               <a:rPr lang="zh-CN" altLang="en-US" smtClean="0"/>
-              <a:t>2020/3/2</a:t>
+              <a:t>2020/3/3</a:t>
             </a:fld>
             <a:endParaRPr lang="zh-CN" altLang="en-US"/>
           </a:p>
@@ -2663,7 +2669,7 @@
           <a:p>
             <a:fld id="{94DC9B80-1D1A-47F6-BFDC-26A4231E1CDD}" type="datetimeFigureOut">
               <a:rPr lang="zh-CN" altLang="en-US" smtClean="0"/>
-              <a:t>2020/3/2</a:t>
+              <a:t>2020/3/3</a:t>
             </a:fld>
             <a:endParaRPr lang="zh-CN" altLang="en-US"/>
           </a:p>
@@ -2904,7 +2910,7 @@
           <a:p>
             <a:fld id="{94DC9B80-1D1A-47F6-BFDC-26A4231E1CDD}" type="datetimeFigureOut">
               <a:rPr lang="zh-CN" altLang="en-US" smtClean="0"/>
-              <a:t>2020/3/2</a:t>
+              <a:t>2020/3/3</a:t>
             </a:fld>
             <a:endParaRPr lang="zh-CN" altLang="en-US"/>
           </a:p>
@@ -3687,6 +3693,724 @@
 </p:sld>
 </file>
 
+<file path=ppt/slides/slide2.xml><?xml version="1.0" encoding="utf-8"?>
+<p:sld xmlns:a="http://schemas.openxmlformats.org/drawingml/2006/main" xmlns:r="http://schemas.openxmlformats.org/officeDocument/2006/relationships" xmlns:p="http://schemas.openxmlformats.org/presentationml/2006/main">
+  <p:cSld>
+    <p:spTree>
+      <p:nvGrpSpPr>
+        <p:cNvPr id="1" name=""/>
+        <p:cNvGrpSpPr/>
+        <p:nvPr/>
+      </p:nvGrpSpPr>
+      <p:grpSpPr>
+        <a:xfrm>
+          <a:off x="0" y="0"/>
+          <a:ext cx="0" cy="0"/>
+          <a:chOff x="0" y="0"/>
+          <a:chExt cx="0" cy="0"/>
+        </a:xfrm>
+      </p:grpSpPr>
+      <p:graphicFrame>
+        <p:nvGraphicFramePr>
+          <p:cNvPr id="2" name="表格 2">
+            <a:extLst>
+              <a:ext uri="{FF2B5EF4-FFF2-40B4-BE49-F238E27FC236}">
+                <a16:creationId xmlns:a16="http://schemas.microsoft.com/office/drawing/2014/main" id="{BE23A046-C012-40E0-93F0-82773EE86AFD}"/>
+              </a:ext>
+            </a:extLst>
+          </p:cNvPr>
+          <p:cNvGraphicFramePr>
+            <a:graphicFrameLocks noGrp="1"/>
+          </p:cNvGraphicFramePr>
+          <p:nvPr>
+            <p:extLst>
+              <p:ext uri="{D42A27DB-BD31-4B8C-83A1-F6EECF244321}">
+                <p14:modId xmlns:p14="http://schemas.microsoft.com/office/powerpoint/2010/main" val="2056599356"/>
+              </p:ext>
+            </p:extLst>
+          </p:nvPr>
+        </p:nvGraphicFramePr>
+        <p:xfrm>
+          <a:off x="2032000" y="719666"/>
+          <a:ext cx="8128000" cy="2966720"/>
+        </p:xfrm>
+        <a:graphic>
+          <a:graphicData uri="http://schemas.openxmlformats.org/drawingml/2006/table">
+            <a:tbl>
+              <a:tblPr firstRow="1" bandRow="1">
+                <a:tableStyleId>{5C22544A-7EE6-4342-B048-85BDC9FD1C3A}</a:tableStyleId>
+              </a:tblPr>
+              <a:tblGrid>
+                <a:gridCol w="2032000">
+                  <a:extLst>
+                    <a:ext uri="{9D8B030D-6E8A-4147-A177-3AD203B41FA5}">
+                      <a16:colId xmlns:a16="http://schemas.microsoft.com/office/drawing/2014/main" val="2956207207"/>
+                    </a:ext>
+                  </a:extLst>
+                </a:gridCol>
+                <a:gridCol w="2032000">
+                  <a:extLst>
+                    <a:ext uri="{9D8B030D-6E8A-4147-A177-3AD203B41FA5}">
+                      <a16:colId xmlns:a16="http://schemas.microsoft.com/office/drawing/2014/main" val="1142952877"/>
+                    </a:ext>
+                  </a:extLst>
+                </a:gridCol>
+                <a:gridCol w="2032000">
+                  <a:extLst>
+                    <a:ext uri="{9D8B030D-6E8A-4147-A177-3AD203B41FA5}">
+                      <a16:colId xmlns:a16="http://schemas.microsoft.com/office/drawing/2014/main" val="3854306158"/>
+                    </a:ext>
+                  </a:extLst>
+                </a:gridCol>
+                <a:gridCol w="2032000">
+                  <a:extLst>
+                    <a:ext uri="{9D8B030D-6E8A-4147-A177-3AD203B41FA5}">
+                      <a16:colId xmlns:a16="http://schemas.microsoft.com/office/drawing/2014/main" val="840810764"/>
+                    </a:ext>
+                  </a:extLst>
+                </a:gridCol>
+              </a:tblGrid>
+              <a:tr h="370840">
+                <a:tc>
+                  <a:txBody>
+                    <a:bodyPr/>
+                    <a:lstStyle/>
+                    <a:p>
+                      <a:pPr algn="ctr"/>
+                      <a:r>
+                        <a:rPr lang="zh-CN" altLang="en-US" dirty="0"/>
+                        <a:t>地址</a:t>
+                      </a:r>
+                    </a:p>
+                  </a:txBody>
+                  <a:tcPr/>
+                </a:tc>
+                <a:tc>
+                  <a:txBody>
+                    <a:bodyPr/>
+                    <a:lstStyle/>
+                    <a:p>
+                      <a:pPr algn="ctr"/>
+                      <a:r>
+                        <a:rPr lang="zh-CN" altLang="en-US" dirty="0"/>
+                        <a:t>存储的内容</a:t>
+                      </a:r>
+                    </a:p>
+                  </a:txBody>
+                  <a:tcPr/>
+                </a:tc>
+                <a:tc>
+                  <a:txBody>
+                    <a:bodyPr/>
+                    <a:lstStyle/>
+                    <a:p>
+                      <a:pPr algn="ctr"/>
+                      <a:r>
+                        <a:rPr lang="zh-CN" altLang="en-US" dirty="0"/>
+                        <a:t>变量</a:t>
+                      </a:r>
+                    </a:p>
+                  </a:txBody>
+                  <a:tcPr/>
+                </a:tc>
+                <a:tc>
+                  <a:txBody>
+                    <a:bodyPr/>
+                    <a:lstStyle/>
+                    <a:p>
+                      <a:pPr algn="ctr"/>
+                      <a:r>
+                        <a:rPr lang="zh-CN" altLang="en-US" dirty="0"/>
+                        <a:t>数组</a:t>
+                      </a:r>
+                    </a:p>
+                  </a:txBody>
+                  <a:tcPr/>
+                </a:tc>
+                <a:extLst>
+                  <a:ext uri="{0D108BD9-81ED-4DB2-BD59-A6C34878D82A}">
+                    <a16:rowId xmlns:a16="http://schemas.microsoft.com/office/drawing/2014/main" val="3583725980"/>
+                  </a:ext>
+                </a:extLst>
+              </a:tr>
+              <a:tr h="370840">
+                <a:tc>
+                  <a:txBody>
+                    <a:bodyPr/>
+                    <a:lstStyle/>
+                    <a:p>
+                      <a:pPr marL="0" marR="0" lvl="0" indent="0" algn="l" defTabSz="914400" rtl="0" eaLnBrk="1" fontAlgn="auto" latinLnBrk="0" hangingPunct="1">
+                        <a:lnSpc>
+                          <a:spcPct val="100000"/>
+                        </a:lnSpc>
+                        <a:spcBef>
+                          <a:spcPts val="0"/>
+                        </a:spcBef>
+                        <a:spcAft>
+                          <a:spcPts val="0"/>
+                        </a:spcAft>
+                        <a:buClrTx/>
+                        <a:buSzTx/>
+                        <a:buFontTx/>
+                        <a:buNone/>
+                        <a:tabLst/>
+                        <a:defRPr/>
+                      </a:pPr>
+                      <a:r>
+                        <a:rPr lang="en-US" altLang="zh-CN" sz="1800" b="0" kern="1200" dirty="0">
+                          <a:solidFill>
+                            <a:schemeClr val="dk1"/>
+                          </a:solidFill>
+                          <a:effectLst/>
+                          <a:latin typeface="+mn-lt"/>
+                          <a:ea typeface="+mn-ea"/>
+                          <a:cs typeface="+mn-cs"/>
+                        </a:rPr>
+                        <a:t>61fe1b</a:t>
+                      </a:r>
+                      <a:endParaRPr lang="zh-CN" altLang="en-US" dirty="0"/>
+                    </a:p>
+                  </a:txBody>
+                  <a:tcPr>
+                    <a:solidFill>
+                      <a:srgbClr val="00B050"/>
+                    </a:solidFill>
+                  </a:tcPr>
+                </a:tc>
+                <a:tc>
+                  <a:txBody>
+                    <a:bodyPr/>
+                    <a:lstStyle/>
+                    <a:p>
+                      <a:pPr algn="ctr"/>
+                      <a:r>
+                        <a:rPr lang="en-US" altLang="zh-CN" dirty="0" err="1"/>
+                        <a:t>i</a:t>
+                      </a:r>
+                      <a:endParaRPr lang="zh-CN" altLang="en-US" dirty="0"/>
+                    </a:p>
+                  </a:txBody>
+                  <a:tcPr/>
+                </a:tc>
+                <a:tc>
+                  <a:txBody>
+                    <a:bodyPr/>
+                    <a:lstStyle/>
+                    <a:p>
+                      <a:pPr algn="ctr"/>
+                      <a:r>
+                        <a:rPr lang="en-US" altLang="zh-CN" dirty="0"/>
+                        <a:t>b[0]</a:t>
+                      </a:r>
+                      <a:endParaRPr lang="zh-CN" altLang="en-US" dirty="0"/>
+                    </a:p>
+                  </a:txBody>
+                  <a:tcPr/>
+                </a:tc>
+                <a:tc rowSpan="2">
+                  <a:txBody>
+                    <a:bodyPr/>
+                    <a:lstStyle/>
+                    <a:p>
+                      <a:pPr algn="ctr"/>
+                      <a:endParaRPr lang="en-US" altLang="zh-CN" dirty="0"/>
+                    </a:p>
+                    <a:p>
+                      <a:pPr algn="ctr"/>
+                      <a:r>
+                        <a:rPr lang="en-US" altLang="zh-CN" dirty="0"/>
+                        <a:t>b</a:t>
+                      </a:r>
+                      <a:endParaRPr lang="zh-CN" altLang="en-US" dirty="0"/>
+                    </a:p>
+                  </a:txBody>
+                  <a:tcPr>
+                    <a:solidFill>
+                      <a:srgbClr val="00B050"/>
+                    </a:solidFill>
+                  </a:tcPr>
+                </a:tc>
+                <a:extLst>
+                  <a:ext uri="{0D108BD9-81ED-4DB2-BD59-A6C34878D82A}">
+                    <a16:rowId xmlns:a16="http://schemas.microsoft.com/office/drawing/2014/main" val="3879719589"/>
+                  </a:ext>
+                </a:extLst>
+              </a:tr>
+              <a:tr h="370840">
+                <a:tc>
+                  <a:txBody>
+                    <a:bodyPr/>
+                    <a:lstStyle/>
+                    <a:p>
+                      <a:pPr marL="0" marR="0" lvl="0" indent="0" algn="l" defTabSz="914400" rtl="0" eaLnBrk="1" fontAlgn="auto" latinLnBrk="0" hangingPunct="1">
+                        <a:lnSpc>
+                          <a:spcPct val="100000"/>
+                        </a:lnSpc>
+                        <a:spcBef>
+                          <a:spcPts val="0"/>
+                        </a:spcBef>
+                        <a:spcAft>
+                          <a:spcPts val="0"/>
+                        </a:spcAft>
+                        <a:buClrTx/>
+                        <a:buSzTx/>
+                        <a:buFontTx/>
+                        <a:buNone/>
+                        <a:tabLst/>
+                        <a:defRPr/>
+                      </a:pPr>
+                      <a:r>
+                        <a:rPr lang="en-US" altLang="zh-CN" sz="1800" b="0" kern="1200" dirty="0">
+                          <a:solidFill>
+                            <a:schemeClr val="dk1"/>
+                          </a:solidFill>
+                          <a:effectLst/>
+                          <a:latin typeface="+mn-lt"/>
+                          <a:ea typeface="+mn-ea"/>
+                          <a:cs typeface="+mn-cs"/>
+                        </a:rPr>
+                        <a:t>61fe1c</a:t>
+                      </a:r>
+                      <a:endParaRPr lang="zh-CN" altLang="en-US" dirty="0"/>
+                    </a:p>
+                  </a:txBody>
+                  <a:tcPr/>
+                </a:tc>
+                <a:tc>
+                  <a:txBody>
+                    <a:bodyPr/>
+                    <a:lstStyle/>
+                    <a:p>
+                      <a:pPr algn="ctr"/>
+                      <a:r>
+                        <a:rPr lang="en-US" altLang="zh-CN" dirty="0"/>
+                        <a:t>s</a:t>
+                      </a:r>
+                      <a:endParaRPr lang="zh-CN" altLang="en-US" dirty="0"/>
+                    </a:p>
+                  </a:txBody>
+                  <a:tcPr/>
+                </a:tc>
+                <a:tc>
+                  <a:txBody>
+                    <a:bodyPr/>
+                    <a:lstStyle/>
+                    <a:p>
+                      <a:pPr algn="ctr"/>
+                      <a:r>
+                        <a:rPr lang="en-US" altLang="zh-CN" dirty="0"/>
+                        <a:t>b[1]</a:t>
+                      </a:r>
+                      <a:endParaRPr lang="zh-CN" altLang="en-US" dirty="0"/>
+                    </a:p>
+                  </a:txBody>
+                  <a:tcPr/>
+                </a:tc>
+                <a:tc vMerge="1">
+                  <a:txBody>
+                    <a:bodyPr/>
+                    <a:lstStyle/>
+                    <a:p>
+                      <a:pPr algn="ctr"/>
+                      <a:endParaRPr lang="zh-CN" altLang="en-US" dirty="0"/>
+                    </a:p>
+                  </a:txBody>
+                  <a:tcPr/>
+                </a:tc>
+                <a:extLst>
+                  <a:ext uri="{0D108BD9-81ED-4DB2-BD59-A6C34878D82A}">
+                    <a16:rowId xmlns:a16="http://schemas.microsoft.com/office/drawing/2014/main" val="4029965508"/>
+                  </a:ext>
+                </a:extLst>
+              </a:tr>
+              <a:tr h="370840">
+                <a:tc>
+                  <a:txBody>
+                    <a:bodyPr/>
+                    <a:lstStyle/>
+                    <a:p>
+                      <a:pPr marL="0" marR="0" lvl="0" indent="0" algn="l" defTabSz="914400" rtl="0" eaLnBrk="1" fontAlgn="auto" latinLnBrk="0" hangingPunct="1">
+                        <a:lnSpc>
+                          <a:spcPct val="100000"/>
+                        </a:lnSpc>
+                        <a:spcBef>
+                          <a:spcPts val="0"/>
+                        </a:spcBef>
+                        <a:spcAft>
+                          <a:spcPts val="0"/>
+                        </a:spcAft>
+                        <a:buClrTx/>
+                        <a:buSzTx/>
+                        <a:buFontTx/>
+                        <a:buNone/>
+                        <a:tabLst/>
+                        <a:defRPr/>
+                      </a:pPr>
+                      <a:r>
+                        <a:rPr lang="en-US" altLang="zh-CN" sz="1800" b="0" kern="1200" dirty="0">
+                          <a:solidFill>
+                            <a:schemeClr val="dk1"/>
+                          </a:solidFill>
+                          <a:effectLst/>
+                          <a:latin typeface="+mn-lt"/>
+                          <a:ea typeface="+mn-ea"/>
+                          <a:cs typeface="+mn-cs"/>
+                        </a:rPr>
+                        <a:t>61fe1d</a:t>
+                      </a:r>
+                      <a:endParaRPr lang="zh-CN" altLang="en-US" dirty="0"/>
+                    </a:p>
+                  </a:txBody>
+                  <a:tcPr>
+                    <a:solidFill>
+                      <a:srgbClr val="FFFF00"/>
+                    </a:solidFill>
+                  </a:tcPr>
+                </a:tc>
+                <a:tc>
+                  <a:txBody>
+                    <a:bodyPr/>
+                    <a:lstStyle/>
+                    <a:p>
+                      <a:pPr algn="ctr"/>
+                      <a:r>
+                        <a:rPr lang="en-US" altLang="zh-CN" dirty="0"/>
+                        <a:t>x</a:t>
+                      </a:r>
+                      <a:endParaRPr lang="zh-CN" altLang="en-US" dirty="0"/>
+                    </a:p>
+                  </a:txBody>
+                  <a:tcPr/>
+                </a:tc>
+                <a:tc>
+                  <a:txBody>
+                    <a:bodyPr/>
+                    <a:lstStyle/>
+                    <a:p>
+                      <a:pPr algn="ctr"/>
+                      <a:r>
+                        <a:rPr lang="en-US" altLang="zh-CN" dirty="0"/>
+                        <a:t>a[0]</a:t>
+                      </a:r>
+                      <a:endParaRPr lang="zh-CN" altLang="en-US" dirty="0"/>
+                    </a:p>
+                  </a:txBody>
+                  <a:tcPr/>
+                </a:tc>
+                <a:tc rowSpan="3">
+                  <a:txBody>
+                    <a:bodyPr/>
+                    <a:lstStyle/>
+                    <a:p>
+                      <a:pPr algn="ctr"/>
+                      <a:endParaRPr lang="en-US" altLang="zh-CN" dirty="0"/>
+                    </a:p>
+                    <a:p>
+                      <a:pPr algn="ctr"/>
+                      <a:r>
+                        <a:rPr lang="en-US" altLang="zh-CN" dirty="0"/>
+                        <a:t>a</a:t>
+                      </a:r>
+                      <a:endParaRPr lang="zh-CN" altLang="en-US" dirty="0"/>
+                    </a:p>
+                  </a:txBody>
+                  <a:tcPr>
+                    <a:solidFill>
+                      <a:srgbClr val="FFFF00"/>
+                    </a:solidFill>
+                  </a:tcPr>
+                </a:tc>
+                <a:extLst>
+                  <a:ext uri="{0D108BD9-81ED-4DB2-BD59-A6C34878D82A}">
+                    <a16:rowId xmlns:a16="http://schemas.microsoft.com/office/drawing/2014/main" val="3012269216"/>
+                  </a:ext>
+                </a:extLst>
+              </a:tr>
+              <a:tr h="370840">
+                <a:tc>
+                  <a:txBody>
+                    <a:bodyPr/>
+                    <a:lstStyle/>
+                    <a:p>
+                      <a:pPr marL="0" marR="0" lvl="0" indent="0" algn="l" defTabSz="914400" rtl="0" eaLnBrk="1" fontAlgn="auto" latinLnBrk="0" hangingPunct="1">
+                        <a:lnSpc>
+                          <a:spcPct val="100000"/>
+                        </a:lnSpc>
+                        <a:spcBef>
+                          <a:spcPts val="0"/>
+                        </a:spcBef>
+                        <a:spcAft>
+                          <a:spcPts val="0"/>
+                        </a:spcAft>
+                        <a:buClrTx/>
+                        <a:buSzTx/>
+                        <a:buFontTx/>
+                        <a:buNone/>
+                        <a:tabLst/>
+                        <a:defRPr/>
+                      </a:pPr>
+                      <a:r>
+                        <a:rPr lang="en-US" altLang="zh-CN" sz="1800" b="0" kern="1200" dirty="0">
+                          <a:solidFill>
+                            <a:schemeClr val="dk1"/>
+                          </a:solidFill>
+                          <a:effectLst/>
+                          <a:latin typeface="+mn-lt"/>
+                          <a:ea typeface="+mn-ea"/>
+                          <a:cs typeface="+mn-cs"/>
+                        </a:rPr>
+                        <a:t>61fe1e</a:t>
+                      </a:r>
+                      <a:endParaRPr lang="zh-CN" altLang="en-US" dirty="0"/>
+                    </a:p>
+                  </a:txBody>
+                  <a:tcPr/>
+                </a:tc>
+                <a:tc>
+                  <a:txBody>
+                    <a:bodyPr/>
+                    <a:lstStyle/>
+                    <a:p>
+                      <a:pPr algn="ctr"/>
+                      <a:r>
+                        <a:rPr lang="en-US" altLang="zh-CN" dirty="0"/>
+                        <a:t>P</a:t>
+                      </a:r>
+                      <a:endParaRPr lang="zh-CN" altLang="en-US" dirty="0"/>
+                    </a:p>
+                  </a:txBody>
+                  <a:tcPr/>
+                </a:tc>
+                <a:tc>
+                  <a:txBody>
+                    <a:bodyPr/>
+                    <a:lstStyle/>
+                    <a:p>
+                      <a:pPr algn="ctr"/>
+                      <a:r>
+                        <a:rPr lang="en-US" altLang="zh-CN" dirty="0"/>
+                        <a:t>a[1]</a:t>
+                      </a:r>
+                      <a:endParaRPr lang="zh-CN" altLang="en-US" dirty="0"/>
+                    </a:p>
+                  </a:txBody>
+                  <a:tcPr/>
+                </a:tc>
+                <a:tc vMerge="1">
+                  <a:txBody>
+                    <a:bodyPr/>
+                    <a:lstStyle/>
+                    <a:p>
+                      <a:pPr algn="ctr"/>
+                      <a:endParaRPr lang="zh-CN" altLang="en-US" dirty="0"/>
+                    </a:p>
+                  </a:txBody>
+                  <a:tcPr/>
+                </a:tc>
+                <a:extLst>
+                  <a:ext uri="{0D108BD9-81ED-4DB2-BD59-A6C34878D82A}">
+                    <a16:rowId xmlns:a16="http://schemas.microsoft.com/office/drawing/2014/main" val="415987982"/>
+                  </a:ext>
+                </a:extLst>
+              </a:tr>
+              <a:tr h="370840">
+                <a:tc>
+                  <a:txBody>
+                    <a:bodyPr/>
+                    <a:lstStyle/>
+                    <a:p>
+                      <a:pPr marL="0" marR="0" lvl="0" indent="0" algn="l" defTabSz="914400" rtl="0" eaLnBrk="1" fontAlgn="auto" latinLnBrk="0" hangingPunct="1">
+                        <a:lnSpc>
+                          <a:spcPct val="100000"/>
+                        </a:lnSpc>
+                        <a:spcBef>
+                          <a:spcPts val="0"/>
+                        </a:spcBef>
+                        <a:spcAft>
+                          <a:spcPts val="0"/>
+                        </a:spcAft>
+                        <a:buClrTx/>
+                        <a:buSzTx/>
+                        <a:buFontTx/>
+                        <a:buNone/>
+                        <a:tabLst/>
+                        <a:defRPr/>
+                      </a:pPr>
+                      <a:r>
+                        <a:rPr lang="en-US" altLang="zh-CN" sz="1800" b="0" kern="1200" dirty="0">
+                          <a:solidFill>
+                            <a:schemeClr val="dk1"/>
+                          </a:solidFill>
+                          <a:effectLst/>
+                          <a:latin typeface="+mn-lt"/>
+                          <a:ea typeface="+mn-ea"/>
+                          <a:cs typeface="+mn-cs"/>
+                        </a:rPr>
+                        <a:t>61fe1f</a:t>
+                      </a:r>
+                      <a:endParaRPr lang="zh-CN" altLang="en-US" dirty="0"/>
+                    </a:p>
+                  </a:txBody>
+                  <a:tcPr/>
+                </a:tc>
+                <a:tc>
+                  <a:txBody>
+                    <a:bodyPr/>
+                    <a:lstStyle/>
+                    <a:p>
+                      <a:pPr algn="ctr"/>
+                      <a:r>
+                        <a:rPr lang="en-US" altLang="zh-CN" dirty="0"/>
+                        <a:t>\0</a:t>
+                      </a:r>
+                      <a:endParaRPr lang="zh-CN" altLang="en-US" dirty="0"/>
+                    </a:p>
+                  </a:txBody>
+                  <a:tcPr/>
+                </a:tc>
+                <a:tc>
+                  <a:txBody>
+                    <a:bodyPr/>
+                    <a:lstStyle/>
+                    <a:p>
+                      <a:pPr algn="ctr"/>
+                      <a:r>
+                        <a:rPr lang="en-US" altLang="zh-CN" dirty="0"/>
+                        <a:t>a[2]</a:t>
+                      </a:r>
+                      <a:endParaRPr lang="zh-CN" altLang="en-US" dirty="0"/>
+                    </a:p>
+                  </a:txBody>
+                  <a:tcPr/>
+                </a:tc>
+                <a:tc vMerge="1">
+                  <a:txBody>
+                    <a:bodyPr/>
+                    <a:lstStyle/>
+                    <a:p>
+                      <a:pPr algn="ctr"/>
+                      <a:endParaRPr lang="zh-CN" altLang="en-US" dirty="0"/>
+                    </a:p>
+                  </a:txBody>
+                  <a:tcPr/>
+                </a:tc>
+                <a:extLst>
+                  <a:ext uri="{0D108BD9-81ED-4DB2-BD59-A6C34878D82A}">
+                    <a16:rowId xmlns:a16="http://schemas.microsoft.com/office/drawing/2014/main" val="285126974"/>
+                  </a:ext>
+                </a:extLst>
+              </a:tr>
+              <a:tr h="370840">
+                <a:tc>
+                  <a:txBody>
+                    <a:bodyPr/>
+                    <a:lstStyle/>
+                    <a:p>
+                      <a:endParaRPr lang="zh-CN" altLang="en-US"/>
+                    </a:p>
+                  </a:txBody>
+                  <a:tcPr/>
+                </a:tc>
+                <a:tc>
+                  <a:txBody>
+                    <a:bodyPr/>
+                    <a:lstStyle/>
+                    <a:p>
+                      <a:endParaRPr lang="zh-CN" altLang="en-US"/>
+                    </a:p>
+                  </a:txBody>
+                  <a:tcPr/>
+                </a:tc>
+                <a:tc>
+                  <a:txBody>
+                    <a:bodyPr/>
+                    <a:lstStyle/>
+                    <a:p>
+                      <a:endParaRPr lang="zh-CN" altLang="en-US"/>
+                    </a:p>
+                  </a:txBody>
+                  <a:tcPr/>
+                </a:tc>
+                <a:tc>
+                  <a:txBody>
+                    <a:bodyPr/>
+                    <a:lstStyle/>
+                    <a:p>
+                      <a:endParaRPr lang="zh-CN" altLang="en-US"/>
+                    </a:p>
+                  </a:txBody>
+                  <a:tcPr/>
+                </a:tc>
+                <a:extLst>
+                  <a:ext uri="{0D108BD9-81ED-4DB2-BD59-A6C34878D82A}">
+                    <a16:rowId xmlns:a16="http://schemas.microsoft.com/office/drawing/2014/main" val="2652351375"/>
+                  </a:ext>
+                </a:extLst>
+              </a:tr>
+              <a:tr h="370840">
+                <a:tc>
+                  <a:txBody>
+                    <a:bodyPr/>
+                    <a:lstStyle/>
+                    <a:p>
+                      <a:endParaRPr lang="zh-CN" altLang="en-US"/>
+                    </a:p>
+                  </a:txBody>
+                  <a:tcPr/>
+                </a:tc>
+                <a:tc>
+                  <a:txBody>
+                    <a:bodyPr/>
+                    <a:lstStyle/>
+                    <a:p>
+                      <a:endParaRPr lang="zh-CN" altLang="en-US"/>
+                    </a:p>
+                  </a:txBody>
+                  <a:tcPr/>
+                </a:tc>
+                <a:tc>
+                  <a:txBody>
+                    <a:bodyPr/>
+                    <a:lstStyle/>
+                    <a:p>
+                      <a:endParaRPr lang="zh-CN" altLang="en-US"/>
+                    </a:p>
+                  </a:txBody>
+                  <a:tcPr/>
+                </a:tc>
+                <a:tc>
+                  <a:txBody>
+                    <a:bodyPr/>
+                    <a:lstStyle/>
+                    <a:p>
+                      <a:endParaRPr lang="zh-CN" altLang="en-US" dirty="0"/>
+                    </a:p>
+                  </a:txBody>
+                  <a:tcPr/>
+                </a:tc>
+                <a:extLst>
+                  <a:ext uri="{0D108BD9-81ED-4DB2-BD59-A6C34878D82A}">
+                    <a16:rowId xmlns:a16="http://schemas.microsoft.com/office/drawing/2014/main" val="1769783175"/>
+                  </a:ext>
+                </a:extLst>
+              </a:tr>
+            </a:tbl>
+          </a:graphicData>
+        </a:graphic>
+      </p:graphicFrame>
+    </p:spTree>
+    <p:extLst>
+      <p:ext uri="{BB962C8B-B14F-4D97-AF65-F5344CB8AC3E}">
+        <p14:creationId xmlns:p14="http://schemas.microsoft.com/office/powerpoint/2010/main" val="4200220521"/>
+      </p:ext>
+    </p:extLst>
+  </p:cSld>
+  <p:clrMapOvr>
+    <a:masterClrMapping/>
+  </p:clrMapOvr>
+</p:sld>
+</file>
+
 <file path=ppt/theme/theme1.xml><?xml version="1.0" encoding="utf-8"?>
 <a:theme xmlns:a="http://schemas.openxmlformats.org/drawingml/2006/main" name="Office 主题​​">
   <a:themeElements>

--- a/Tools/绘图.pptx
+++ b/Tools/绘图.pptx
@@ -7,6 +7,7 @@
   <p:sldIdLst>
     <p:sldId id="256" r:id="rId2"/>
     <p:sldId id="257" r:id="rId3"/>
+    <p:sldId id="258" r:id="rId4"/>
   </p:sldIdLst>
   <p:sldSz cx="12192000" cy="6858000"/>
   <p:notesSz cx="6858000" cy="9144000"/>
@@ -4411,6 +4412,592 @@
 </p:sld>
 </file>
 
+<file path=ppt/slides/slide3.xml><?xml version="1.0" encoding="utf-8"?>
+<p:sld xmlns:a="http://schemas.openxmlformats.org/drawingml/2006/main" xmlns:r="http://schemas.openxmlformats.org/officeDocument/2006/relationships" xmlns:p="http://schemas.openxmlformats.org/presentationml/2006/main">
+  <p:cSld>
+    <p:spTree>
+      <p:nvGrpSpPr>
+        <p:cNvPr id="1" name=""/>
+        <p:cNvGrpSpPr/>
+        <p:nvPr/>
+      </p:nvGrpSpPr>
+      <p:grpSpPr>
+        <a:xfrm>
+          <a:off x="0" y="0"/>
+          <a:ext cx="0" cy="0"/>
+          <a:chOff x="0" y="0"/>
+          <a:chExt cx="0" cy="0"/>
+        </a:xfrm>
+      </p:grpSpPr>
+      <p:graphicFrame>
+        <p:nvGraphicFramePr>
+          <p:cNvPr id="5" name="表格 5">
+            <a:extLst>
+              <a:ext uri="{FF2B5EF4-FFF2-40B4-BE49-F238E27FC236}">
+                <a16:creationId xmlns:a16="http://schemas.microsoft.com/office/drawing/2014/main" id="{80EFE902-A311-4FA2-B46C-7AEAFAC993A9}"/>
+              </a:ext>
+            </a:extLst>
+          </p:cNvPr>
+          <p:cNvGraphicFramePr>
+            <a:graphicFrameLocks noGrp="1"/>
+          </p:cNvGraphicFramePr>
+          <p:nvPr>
+            <p:extLst>
+              <p:ext uri="{D42A27DB-BD31-4B8C-83A1-F6EECF244321}">
+                <p14:modId xmlns:p14="http://schemas.microsoft.com/office/powerpoint/2010/main" val="1789158767"/>
+              </p:ext>
+            </p:extLst>
+          </p:nvPr>
+        </p:nvGraphicFramePr>
+        <p:xfrm>
+          <a:off x="2032000" y="719666"/>
+          <a:ext cx="8128000" cy="2966720"/>
+        </p:xfrm>
+        <a:graphic>
+          <a:graphicData uri="http://schemas.openxmlformats.org/drawingml/2006/table">
+            <a:tbl>
+              <a:tblPr firstRow="1" bandRow="1">
+                <a:tableStyleId>{5C22544A-7EE6-4342-B048-85BDC9FD1C3A}</a:tableStyleId>
+              </a:tblPr>
+              <a:tblGrid>
+                <a:gridCol w="1354667">
+                  <a:extLst>
+                    <a:ext uri="{9D8B030D-6E8A-4147-A177-3AD203B41FA5}">
+                      <a16:colId xmlns:a16="http://schemas.microsoft.com/office/drawing/2014/main" val="3931223386"/>
+                    </a:ext>
+                  </a:extLst>
+                </a:gridCol>
+                <a:gridCol w="1354667">
+                  <a:extLst>
+                    <a:ext uri="{9D8B030D-6E8A-4147-A177-3AD203B41FA5}">
+                      <a16:colId xmlns:a16="http://schemas.microsoft.com/office/drawing/2014/main" val="443394362"/>
+                    </a:ext>
+                  </a:extLst>
+                </a:gridCol>
+                <a:gridCol w="2709333">
+                  <a:extLst>
+                    <a:ext uri="{9D8B030D-6E8A-4147-A177-3AD203B41FA5}">
+                      <a16:colId xmlns:a16="http://schemas.microsoft.com/office/drawing/2014/main" val="1874780443"/>
+                    </a:ext>
+                  </a:extLst>
+                </a:gridCol>
+                <a:gridCol w="2709333">
+                  <a:extLst>
+                    <a:ext uri="{9D8B030D-6E8A-4147-A177-3AD203B41FA5}">
+                      <a16:colId xmlns:a16="http://schemas.microsoft.com/office/drawing/2014/main" val="3125644157"/>
+                    </a:ext>
+                  </a:extLst>
+                </a:gridCol>
+              </a:tblGrid>
+              <a:tr h="370840">
+                <a:tc gridSpan="2">
+                  <a:txBody>
+                    <a:bodyPr/>
+                    <a:lstStyle/>
+                    <a:p>
+                      <a:pPr algn="ctr"/>
+                      <a:r>
+                        <a:rPr lang="zh-CN" altLang="en-US" dirty="0"/>
+                        <a:t>变量</a:t>
+                      </a:r>
+                    </a:p>
+                  </a:txBody>
+                  <a:tcPr/>
+                </a:tc>
+                <a:tc hMerge="1">
+                  <a:txBody>
+                    <a:bodyPr/>
+                    <a:lstStyle/>
+                    <a:p>
+                      <a:endParaRPr lang="zh-CN" altLang="en-US"/>
+                    </a:p>
+                  </a:txBody>
+                  <a:tcPr/>
+                </a:tc>
+                <a:tc>
+                  <a:txBody>
+                    <a:bodyPr/>
+                    <a:lstStyle/>
+                    <a:p>
+                      <a:pPr algn="ctr"/>
+                      <a:r>
+                        <a:rPr lang="zh-CN" altLang="en-US" dirty="0"/>
+                        <a:t>地址</a:t>
+                      </a:r>
+                    </a:p>
+                  </a:txBody>
+                  <a:tcPr/>
+                </a:tc>
+                <a:tc>
+                  <a:txBody>
+                    <a:bodyPr/>
+                    <a:lstStyle/>
+                    <a:p>
+                      <a:pPr algn="ctr"/>
+                      <a:r>
+                        <a:rPr lang="zh-CN" altLang="en-US" dirty="0"/>
+                        <a:t>存储的内容</a:t>
+                      </a:r>
+                    </a:p>
+                  </a:txBody>
+                  <a:tcPr/>
+                </a:tc>
+                <a:extLst>
+                  <a:ext uri="{0D108BD9-81ED-4DB2-BD59-A6C34878D82A}">
+                    <a16:rowId xmlns:a16="http://schemas.microsoft.com/office/drawing/2014/main" val="4196251213"/>
+                  </a:ext>
+                </a:extLst>
+              </a:tr>
+              <a:tr h="370840">
+                <a:tc rowSpan="3">
+                  <a:txBody>
+                    <a:bodyPr/>
+                    <a:lstStyle/>
+                    <a:p>
+                      <a:pPr algn="ctr"/>
+                      <a:endParaRPr lang="en-US" altLang="zh-CN" dirty="0"/>
+                    </a:p>
+                    <a:p>
+                      <a:pPr algn="ctr"/>
+                      <a:r>
+                        <a:rPr lang="en-US" altLang="zh-CN" dirty="0"/>
+                        <a:t>s</a:t>
+                      </a:r>
+                      <a:endParaRPr lang="zh-CN" altLang="en-US" dirty="0"/>
+                    </a:p>
+                  </a:txBody>
+                  <a:tcPr>
+                    <a:solidFill>
+                      <a:srgbClr val="92D050"/>
+                    </a:solidFill>
+                  </a:tcPr>
+                </a:tc>
+                <a:tc>
+                  <a:txBody>
+                    <a:bodyPr/>
+                    <a:lstStyle/>
+                    <a:p>
+                      <a:pPr algn="ctr"/>
+                      <a:r>
+                        <a:rPr lang="en-US" altLang="zh-CN" dirty="0"/>
+                        <a:t>s[0]</a:t>
+                      </a:r>
+                      <a:endParaRPr lang="zh-CN" altLang="en-US" dirty="0"/>
+                    </a:p>
+                  </a:txBody>
+                  <a:tcPr/>
+                </a:tc>
+                <a:tc>
+                  <a:txBody>
+                    <a:bodyPr/>
+                    <a:lstStyle/>
+                    <a:p>
+                      <a:pPr algn="ctr"/>
+                      <a:r>
+                        <a:rPr lang="en-US" altLang="zh-CN" dirty="0"/>
+                        <a:t>61fe15</a:t>
+                      </a:r>
+                      <a:endParaRPr lang="zh-CN" altLang="en-US" dirty="0"/>
+                    </a:p>
+                  </a:txBody>
+                  <a:tcPr/>
+                </a:tc>
+                <a:tc>
+                  <a:txBody>
+                    <a:bodyPr/>
+                    <a:lstStyle/>
+                    <a:p>
+                      <a:pPr algn="ctr"/>
+                      <a:r>
+                        <a:rPr lang="en-US" altLang="zh-CN" dirty="0"/>
+                        <a:t>x</a:t>
+                      </a:r>
+                      <a:endParaRPr lang="zh-CN" altLang="en-US" dirty="0"/>
+                    </a:p>
+                  </a:txBody>
+                  <a:tcPr/>
+                </a:tc>
+                <a:extLst>
+                  <a:ext uri="{0D108BD9-81ED-4DB2-BD59-A6C34878D82A}">
+                    <a16:rowId xmlns:a16="http://schemas.microsoft.com/office/drawing/2014/main" val="1650461624"/>
+                  </a:ext>
+                </a:extLst>
+              </a:tr>
+              <a:tr h="370840">
+                <a:tc vMerge="1">
+                  <a:txBody>
+                    <a:bodyPr/>
+                    <a:lstStyle/>
+                    <a:p>
+                      <a:pPr algn="ctr"/>
+                      <a:endParaRPr lang="zh-CN" altLang="en-US" dirty="0"/>
+                    </a:p>
+                  </a:txBody>
+                  <a:tcPr/>
+                </a:tc>
+                <a:tc>
+                  <a:txBody>
+                    <a:bodyPr/>
+                    <a:lstStyle/>
+                    <a:p>
+                      <a:pPr algn="ctr"/>
+                      <a:r>
+                        <a:rPr lang="en-US" altLang="zh-CN" dirty="0"/>
+                        <a:t>s[1]</a:t>
+                      </a:r>
+                      <a:endParaRPr lang="zh-CN" altLang="en-US" dirty="0"/>
+                    </a:p>
+                  </a:txBody>
+                  <a:tcPr/>
+                </a:tc>
+                <a:tc>
+                  <a:txBody>
+                    <a:bodyPr/>
+                    <a:lstStyle/>
+                    <a:p>
+                      <a:pPr algn="ctr"/>
+                      <a:r>
+                        <a:rPr lang="en-US" altLang="zh-CN" dirty="0"/>
+                        <a:t>61fe16</a:t>
+                      </a:r>
+                      <a:endParaRPr lang="zh-CN" altLang="en-US" dirty="0"/>
+                    </a:p>
+                  </a:txBody>
+                  <a:tcPr/>
+                </a:tc>
+                <a:tc>
+                  <a:txBody>
+                    <a:bodyPr/>
+                    <a:lstStyle/>
+                    <a:p>
+                      <a:pPr algn="ctr"/>
+                      <a:r>
+                        <a:rPr lang="en-US" altLang="zh-CN" dirty="0"/>
+                        <a:t>p</a:t>
+                      </a:r>
+                      <a:endParaRPr lang="zh-CN" altLang="en-US" dirty="0"/>
+                    </a:p>
+                  </a:txBody>
+                  <a:tcPr/>
+                </a:tc>
+                <a:extLst>
+                  <a:ext uri="{0D108BD9-81ED-4DB2-BD59-A6C34878D82A}">
+                    <a16:rowId xmlns:a16="http://schemas.microsoft.com/office/drawing/2014/main" val="3893375062"/>
+                  </a:ext>
+                </a:extLst>
+              </a:tr>
+              <a:tr h="370840">
+                <a:tc vMerge="1">
+                  <a:txBody>
+                    <a:bodyPr/>
+                    <a:lstStyle/>
+                    <a:p>
+                      <a:pPr algn="ctr"/>
+                      <a:endParaRPr lang="zh-CN" altLang="en-US" dirty="0"/>
+                    </a:p>
+                  </a:txBody>
+                  <a:tcPr/>
+                </a:tc>
+                <a:tc>
+                  <a:txBody>
+                    <a:bodyPr/>
+                    <a:lstStyle/>
+                    <a:p>
+                      <a:pPr algn="ctr"/>
+                      <a:r>
+                        <a:rPr lang="en-US" altLang="zh-CN" dirty="0"/>
+                        <a:t>s[2]</a:t>
+                      </a:r>
+                      <a:endParaRPr lang="zh-CN" altLang="en-US" dirty="0"/>
+                    </a:p>
+                  </a:txBody>
+                  <a:tcPr/>
+                </a:tc>
+                <a:tc>
+                  <a:txBody>
+                    <a:bodyPr/>
+                    <a:lstStyle/>
+                    <a:p>
+                      <a:pPr algn="ctr"/>
+                      <a:r>
+                        <a:rPr lang="en-US" altLang="zh-CN" dirty="0"/>
+                        <a:t>61fe17</a:t>
+                      </a:r>
+                      <a:endParaRPr lang="zh-CN" altLang="en-US" dirty="0"/>
+                    </a:p>
+                  </a:txBody>
+                  <a:tcPr/>
+                </a:tc>
+                <a:tc>
+                  <a:txBody>
+                    <a:bodyPr/>
+                    <a:lstStyle/>
+                    <a:p>
+                      <a:pPr algn="ctr"/>
+                      <a:r>
+                        <a:rPr lang="en-US" altLang="zh-CN" dirty="0"/>
+                        <a:t>\0</a:t>
+                      </a:r>
+                      <a:endParaRPr lang="zh-CN" altLang="en-US" dirty="0"/>
+                    </a:p>
+                  </a:txBody>
+                  <a:tcPr/>
+                </a:tc>
+                <a:extLst>
+                  <a:ext uri="{0D108BD9-81ED-4DB2-BD59-A6C34878D82A}">
+                    <a16:rowId xmlns:a16="http://schemas.microsoft.com/office/drawing/2014/main" val="140718468"/>
+                  </a:ext>
+                </a:extLst>
+              </a:tr>
+              <a:tr h="370840">
+                <a:tc gridSpan="2">
+                  <a:txBody>
+                    <a:bodyPr/>
+                    <a:lstStyle/>
+                    <a:p>
+                      <a:pPr algn="ctr"/>
+                      <a:r>
+                        <a:rPr lang="en-US" altLang="zh-CN" dirty="0"/>
+                        <a:t>p</a:t>
+                      </a:r>
+                      <a:endParaRPr lang="zh-CN" altLang="en-US" dirty="0"/>
+                    </a:p>
+                  </a:txBody>
+                  <a:tcPr>
+                    <a:solidFill>
+                      <a:srgbClr val="FFC000"/>
+                    </a:solidFill>
+                  </a:tcPr>
+                </a:tc>
+                <a:tc hMerge="1">
+                  <a:txBody>
+                    <a:bodyPr/>
+                    <a:lstStyle/>
+                    <a:p>
+                      <a:endParaRPr lang="zh-CN" altLang="en-US"/>
+                    </a:p>
+                  </a:txBody>
+                  <a:tcPr/>
+                </a:tc>
+                <a:tc>
+                  <a:txBody>
+                    <a:bodyPr/>
+                    <a:lstStyle/>
+                    <a:p>
+                      <a:pPr marL="0" marR="0" lvl="0" indent="0" algn="ctr" defTabSz="914400" rtl="0" eaLnBrk="1" fontAlgn="auto" latinLnBrk="0" hangingPunct="1">
+                        <a:lnSpc>
+                          <a:spcPct val="100000"/>
+                        </a:lnSpc>
+                        <a:spcBef>
+                          <a:spcPts val="0"/>
+                        </a:spcBef>
+                        <a:spcAft>
+                          <a:spcPts val="0"/>
+                        </a:spcAft>
+                        <a:buClrTx/>
+                        <a:buSzTx/>
+                        <a:buFontTx/>
+                        <a:buNone/>
+                        <a:tabLst/>
+                        <a:defRPr/>
+                      </a:pPr>
+                      <a:r>
+                        <a:rPr lang="en-US" altLang="zh-CN" dirty="0"/>
+                        <a:t>62fe11</a:t>
+                      </a:r>
+                      <a:endParaRPr lang="zh-CN" altLang="en-US" dirty="0"/>
+                    </a:p>
+                  </a:txBody>
+                  <a:tcPr/>
+                </a:tc>
+                <a:tc>
+                  <a:txBody>
+                    <a:bodyPr/>
+                    <a:lstStyle/>
+                    <a:p>
+                      <a:pPr algn="ctr"/>
+                      <a:r>
+                        <a:rPr lang="en-US" altLang="zh-CN" dirty="0"/>
+                        <a:t>61fe15</a:t>
+                      </a:r>
+                      <a:endParaRPr lang="zh-CN" altLang="en-US" dirty="0"/>
+                    </a:p>
+                  </a:txBody>
+                  <a:tcPr/>
+                </a:tc>
+                <a:extLst>
+                  <a:ext uri="{0D108BD9-81ED-4DB2-BD59-A6C34878D82A}">
+                    <a16:rowId xmlns:a16="http://schemas.microsoft.com/office/drawing/2014/main" val="1378006458"/>
+                  </a:ext>
+                </a:extLst>
+              </a:tr>
+              <a:tr h="370840">
+                <a:tc gridSpan="2">
+                  <a:txBody>
+                    <a:bodyPr/>
+                    <a:lstStyle/>
+                    <a:p>
+                      <a:pPr algn="ctr"/>
+                      <a:endParaRPr lang="zh-CN" altLang="en-US"/>
+                    </a:p>
+                  </a:txBody>
+                  <a:tcPr/>
+                </a:tc>
+                <a:tc hMerge="1">
+                  <a:txBody>
+                    <a:bodyPr/>
+                    <a:lstStyle/>
+                    <a:p>
+                      <a:endParaRPr lang="zh-CN" altLang="en-US"/>
+                    </a:p>
+                  </a:txBody>
+                  <a:tcPr/>
+                </a:tc>
+                <a:tc>
+                  <a:txBody>
+                    <a:bodyPr/>
+                    <a:lstStyle/>
+                    <a:p>
+                      <a:pPr algn="ctr"/>
+                      <a:endParaRPr lang="zh-CN" altLang="en-US"/>
+                    </a:p>
+                  </a:txBody>
+                  <a:tcPr/>
+                </a:tc>
+                <a:tc>
+                  <a:txBody>
+                    <a:bodyPr/>
+                    <a:lstStyle/>
+                    <a:p>
+                      <a:pPr algn="ctr"/>
+                      <a:endParaRPr lang="zh-CN" altLang="en-US"/>
+                    </a:p>
+                  </a:txBody>
+                  <a:tcPr/>
+                </a:tc>
+                <a:extLst>
+                  <a:ext uri="{0D108BD9-81ED-4DB2-BD59-A6C34878D82A}">
+                    <a16:rowId xmlns:a16="http://schemas.microsoft.com/office/drawing/2014/main" val="2366881084"/>
+                  </a:ext>
+                </a:extLst>
+              </a:tr>
+              <a:tr h="370840">
+                <a:tc gridSpan="2">
+                  <a:txBody>
+                    <a:bodyPr/>
+                    <a:lstStyle/>
+                    <a:p>
+                      <a:pPr algn="ctr"/>
+                      <a:endParaRPr lang="zh-CN" altLang="en-US"/>
+                    </a:p>
+                  </a:txBody>
+                  <a:tcPr/>
+                </a:tc>
+                <a:tc hMerge="1">
+                  <a:txBody>
+                    <a:bodyPr/>
+                    <a:lstStyle/>
+                    <a:p>
+                      <a:endParaRPr lang="zh-CN" altLang="en-US"/>
+                    </a:p>
+                  </a:txBody>
+                  <a:tcPr/>
+                </a:tc>
+                <a:tc>
+                  <a:txBody>
+                    <a:bodyPr/>
+                    <a:lstStyle/>
+                    <a:p>
+                      <a:pPr algn="ctr"/>
+                      <a:endParaRPr lang="zh-CN" altLang="en-US"/>
+                    </a:p>
+                  </a:txBody>
+                  <a:tcPr/>
+                </a:tc>
+                <a:tc>
+                  <a:txBody>
+                    <a:bodyPr/>
+                    <a:lstStyle/>
+                    <a:p>
+                      <a:pPr algn="ctr"/>
+                      <a:endParaRPr lang="zh-CN" altLang="en-US"/>
+                    </a:p>
+                  </a:txBody>
+                  <a:tcPr/>
+                </a:tc>
+                <a:extLst>
+                  <a:ext uri="{0D108BD9-81ED-4DB2-BD59-A6C34878D82A}">
+                    <a16:rowId xmlns:a16="http://schemas.microsoft.com/office/drawing/2014/main" val="3561563227"/>
+                  </a:ext>
+                </a:extLst>
+              </a:tr>
+              <a:tr h="370840">
+                <a:tc gridSpan="2">
+                  <a:txBody>
+                    <a:bodyPr/>
+                    <a:lstStyle/>
+                    <a:p>
+                      <a:pPr algn="ctr"/>
+                      <a:endParaRPr lang="zh-CN" altLang="en-US"/>
+                    </a:p>
+                  </a:txBody>
+                  <a:tcPr/>
+                </a:tc>
+                <a:tc hMerge="1">
+                  <a:txBody>
+                    <a:bodyPr/>
+                    <a:lstStyle/>
+                    <a:p>
+                      <a:endParaRPr lang="zh-CN" altLang="en-US"/>
+                    </a:p>
+                  </a:txBody>
+                  <a:tcPr/>
+                </a:tc>
+                <a:tc>
+                  <a:txBody>
+                    <a:bodyPr/>
+                    <a:lstStyle/>
+                    <a:p>
+                      <a:pPr algn="ctr"/>
+                      <a:endParaRPr lang="zh-CN" altLang="en-US"/>
+                    </a:p>
+                  </a:txBody>
+                  <a:tcPr/>
+                </a:tc>
+                <a:tc>
+                  <a:txBody>
+                    <a:bodyPr/>
+                    <a:lstStyle/>
+                    <a:p>
+                      <a:pPr algn="ctr"/>
+                      <a:endParaRPr lang="zh-CN" altLang="en-US" dirty="0"/>
+                    </a:p>
+                  </a:txBody>
+                  <a:tcPr/>
+                </a:tc>
+                <a:extLst>
+                  <a:ext uri="{0D108BD9-81ED-4DB2-BD59-A6C34878D82A}">
+                    <a16:rowId xmlns:a16="http://schemas.microsoft.com/office/drawing/2014/main" val="3468074863"/>
+                  </a:ext>
+                </a:extLst>
+              </a:tr>
+            </a:tbl>
+          </a:graphicData>
+        </a:graphic>
+      </p:graphicFrame>
+    </p:spTree>
+    <p:extLst>
+      <p:ext uri="{BB962C8B-B14F-4D97-AF65-F5344CB8AC3E}">
+        <p14:creationId xmlns:p14="http://schemas.microsoft.com/office/powerpoint/2010/main" val="871165689"/>
+      </p:ext>
+    </p:extLst>
+  </p:cSld>
+  <p:clrMapOvr>
+    <a:masterClrMapping/>
+  </p:clrMapOvr>
+</p:sld>
+</file>
+
 <file path=ppt/theme/theme1.xml><?xml version="1.0" encoding="utf-8"?>
 <a:theme xmlns:a="http://schemas.openxmlformats.org/drawingml/2006/main" name="Office 主题​​">
   <a:themeElements>

--- a/Tools/绘图.pptx
+++ b/Tools/绘图.pptx
@@ -8,6 +8,7 @@
     <p:sldId id="256" r:id="rId2"/>
     <p:sldId id="257" r:id="rId3"/>
     <p:sldId id="258" r:id="rId4"/>
+    <p:sldId id="259" r:id="rId5"/>
   </p:sldIdLst>
   <p:sldSz cx="12192000" cy="6858000"/>
   <p:notesSz cx="6858000" cy="9144000"/>
@@ -261,7 +262,7 @@
           <a:p>
             <a:fld id="{94DC9B80-1D1A-47F6-BFDC-26A4231E1CDD}" type="datetimeFigureOut">
               <a:rPr lang="zh-CN" altLang="en-US" smtClean="0"/>
-              <a:t>2020/3/3</a:t>
+              <a:t>2020/3/4</a:t>
             </a:fld>
             <a:endParaRPr lang="zh-CN" altLang="en-US"/>
           </a:p>
@@ -459,7 +460,7 @@
           <a:p>
             <a:fld id="{94DC9B80-1D1A-47F6-BFDC-26A4231E1CDD}" type="datetimeFigureOut">
               <a:rPr lang="zh-CN" altLang="en-US" smtClean="0"/>
-              <a:t>2020/3/3</a:t>
+              <a:t>2020/3/4</a:t>
             </a:fld>
             <a:endParaRPr lang="zh-CN" altLang="en-US"/>
           </a:p>
@@ -667,7 +668,7 @@
           <a:p>
             <a:fld id="{94DC9B80-1D1A-47F6-BFDC-26A4231E1CDD}" type="datetimeFigureOut">
               <a:rPr lang="zh-CN" altLang="en-US" smtClean="0"/>
-              <a:t>2020/3/3</a:t>
+              <a:t>2020/3/4</a:t>
             </a:fld>
             <a:endParaRPr lang="zh-CN" altLang="en-US"/>
           </a:p>
@@ -865,7 +866,7 @@
           <a:p>
             <a:fld id="{94DC9B80-1D1A-47F6-BFDC-26A4231E1CDD}" type="datetimeFigureOut">
               <a:rPr lang="zh-CN" altLang="en-US" smtClean="0"/>
-              <a:t>2020/3/3</a:t>
+              <a:t>2020/3/4</a:t>
             </a:fld>
             <a:endParaRPr lang="zh-CN" altLang="en-US"/>
           </a:p>
@@ -1140,7 +1141,7 @@
           <a:p>
             <a:fld id="{94DC9B80-1D1A-47F6-BFDC-26A4231E1CDD}" type="datetimeFigureOut">
               <a:rPr lang="zh-CN" altLang="en-US" smtClean="0"/>
-              <a:t>2020/3/3</a:t>
+              <a:t>2020/3/4</a:t>
             </a:fld>
             <a:endParaRPr lang="zh-CN" altLang="en-US"/>
           </a:p>
@@ -1405,7 +1406,7 @@
           <a:p>
             <a:fld id="{94DC9B80-1D1A-47F6-BFDC-26A4231E1CDD}" type="datetimeFigureOut">
               <a:rPr lang="zh-CN" altLang="en-US" smtClean="0"/>
-              <a:t>2020/3/3</a:t>
+              <a:t>2020/3/4</a:t>
             </a:fld>
             <a:endParaRPr lang="zh-CN" altLang="en-US"/>
           </a:p>
@@ -1817,7 +1818,7 @@
           <a:p>
             <a:fld id="{94DC9B80-1D1A-47F6-BFDC-26A4231E1CDD}" type="datetimeFigureOut">
               <a:rPr lang="zh-CN" altLang="en-US" smtClean="0"/>
-              <a:t>2020/3/3</a:t>
+              <a:t>2020/3/4</a:t>
             </a:fld>
             <a:endParaRPr lang="zh-CN" altLang="en-US"/>
           </a:p>
@@ -1958,7 +1959,7 @@
           <a:p>
             <a:fld id="{94DC9B80-1D1A-47F6-BFDC-26A4231E1CDD}" type="datetimeFigureOut">
               <a:rPr lang="zh-CN" altLang="en-US" smtClean="0"/>
-              <a:t>2020/3/3</a:t>
+              <a:t>2020/3/4</a:t>
             </a:fld>
             <a:endParaRPr lang="zh-CN" altLang="en-US"/>
           </a:p>
@@ -2071,7 +2072,7 @@
           <a:p>
             <a:fld id="{94DC9B80-1D1A-47F6-BFDC-26A4231E1CDD}" type="datetimeFigureOut">
               <a:rPr lang="zh-CN" altLang="en-US" smtClean="0"/>
-              <a:t>2020/3/3</a:t>
+              <a:t>2020/3/4</a:t>
             </a:fld>
             <a:endParaRPr lang="zh-CN" altLang="en-US"/>
           </a:p>
@@ -2382,7 +2383,7 @@
           <a:p>
             <a:fld id="{94DC9B80-1D1A-47F6-BFDC-26A4231E1CDD}" type="datetimeFigureOut">
               <a:rPr lang="zh-CN" altLang="en-US" smtClean="0"/>
-              <a:t>2020/3/3</a:t>
+              <a:t>2020/3/4</a:t>
             </a:fld>
             <a:endParaRPr lang="zh-CN" altLang="en-US"/>
           </a:p>
@@ -2670,7 +2671,7 @@
           <a:p>
             <a:fld id="{94DC9B80-1D1A-47F6-BFDC-26A4231E1CDD}" type="datetimeFigureOut">
               <a:rPr lang="zh-CN" altLang="en-US" smtClean="0"/>
-              <a:t>2020/3/3</a:t>
+              <a:t>2020/3/4</a:t>
             </a:fld>
             <a:endParaRPr lang="zh-CN" altLang="en-US"/>
           </a:p>
@@ -2911,7 +2912,7 @@
           <a:p>
             <a:fld id="{94DC9B80-1D1A-47F6-BFDC-26A4231E1CDD}" type="datetimeFigureOut">
               <a:rPr lang="zh-CN" altLang="en-US" smtClean="0"/>
-              <a:t>2020/3/3</a:t>
+              <a:t>2020/3/4</a:t>
             </a:fld>
             <a:endParaRPr lang="zh-CN" altLang="en-US"/>
           </a:p>
@@ -4998,6 +4999,866 @@
 </p:sld>
 </file>
 
+<file path=ppt/slides/slide4.xml><?xml version="1.0" encoding="utf-8"?>
+<p:sld xmlns:a="http://schemas.openxmlformats.org/drawingml/2006/main" xmlns:r="http://schemas.openxmlformats.org/officeDocument/2006/relationships" xmlns:p="http://schemas.openxmlformats.org/presentationml/2006/main">
+  <p:cSld>
+    <p:spTree>
+      <p:nvGrpSpPr>
+        <p:cNvPr id="1" name=""/>
+        <p:cNvGrpSpPr/>
+        <p:nvPr/>
+      </p:nvGrpSpPr>
+      <p:grpSpPr>
+        <a:xfrm>
+          <a:off x="0" y="0"/>
+          <a:ext cx="0" cy="0"/>
+          <a:chOff x="0" y="0"/>
+          <a:chExt cx="0" cy="0"/>
+        </a:xfrm>
+      </p:grpSpPr>
+      <p:graphicFrame>
+        <p:nvGraphicFramePr>
+          <p:cNvPr id="2" name="表格 2">
+            <a:extLst>
+              <a:ext uri="{FF2B5EF4-FFF2-40B4-BE49-F238E27FC236}">
+                <a16:creationId xmlns:a16="http://schemas.microsoft.com/office/drawing/2014/main" id="{1F9AC38A-4CFD-4D42-9D3D-9D3BEF702C24}"/>
+              </a:ext>
+            </a:extLst>
+          </p:cNvPr>
+          <p:cNvGraphicFramePr>
+            <a:graphicFrameLocks noGrp="1"/>
+          </p:cNvGraphicFramePr>
+          <p:nvPr>
+            <p:extLst>
+              <p:ext uri="{D42A27DB-BD31-4B8C-83A1-F6EECF244321}">
+                <p14:modId xmlns:p14="http://schemas.microsoft.com/office/powerpoint/2010/main" val="3104582753"/>
+              </p:ext>
+            </p:extLst>
+          </p:nvPr>
+        </p:nvGraphicFramePr>
+        <p:xfrm>
+          <a:off x="2032000" y="719666"/>
+          <a:ext cx="8127999" cy="6243320"/>
+        </p:xfrm>
+        <a:graphic>
+          <a:graphicData uri="http://schemas.openxmlformats.org/drawingml/2006/table">
+            <a:tbl>
+              <a:tblPr firstRow="1" bandRow="1">
+                <a:tableStyleId>{5C22544A-7EE6-4342-B048-85BDC9FD1C3A}</a:tableStyleId>
+              </a:tblPr>
+              <a:tblGrid>
+                <a:gridCol w="2709333">
+                  <a:extLst>
+                    <a:ext uri="{9D8B030D-6E8A-4147-A177-3AD203B41FA5}">
+                      <a16:colId xmlns:a16="http://schemas.microsoft.com/office/drawing/2014/main" val="1215297779"/>
+                    </a:ext>
+                  </a:extLst>
+                </a:gridCol>
+                <a:gridCol w="2709333">
+                  <a:extLst>
+                    <a:ext uri="{9D8B030D-6E8A-4147-A177-3AD203B41FA5}">
+                      <a16:colId xmlns:a16="http://schemas.microsoft.com/office/drawing/2014/main" val="2822950950"/>
+                    </a:ext>
+                  </a:extLst>
+                </a:gridCol>
+                <a:gridCol w="2709333">
+                  <a:extLst>
+                    <a:ext uri="{9D8B030D-6E8A-4147-A177-3AD203B41FA5}">
+                      <a16:colId xmlns:a16="http://schemas.microsoft.com/office/drawing/2014/main" val="751654664"/>
+                    </a:ext>
+                  </a:extLst>
+                </a:gridCol>
+              </a:tblGrid>
+              <a:tr h="370840">
+                <a:tc>
+                  <a:txBody>
+                    <a:bodyPr/>
+                    <a:lstStyle/>
+                    <a:p>
+                      <a:pPr algn="ctr"/>
+                      <a:r>
+                        <a:rPr lang="zh-CN" altLang="en-US" dirty="0"/>
+                        <a:t>地址</a:t>
+                      </a:r>
+                    </a:p>
+                  </a:txBody>
+                  <a:tcPr/>
+                </a:tc>
+                <a:tc gridSpan="2">
+                  <a:txBody>
+                    <a:bodyPr/>
+                    <a:lstStyle/>
+                    <a:p>
+                      <a:pPr algn="ctr"/>
+                      <a:r>
+                        <a:rPr lang="zh-CN" altLang="en-US" dirty="0"/>
+                        <a:t>变量</a:t>
+                      </a:r>
+                    </a:p>
+                  </a:txBody>
+                  <a:tcPr/>
+                </a:tc>
+                <a:tc hMerge="1">
+                  <a:txBody>
+                    <a:bodyPr/>
+                    <a:lstStyle/>
+                    <a:p>
+                      <a:endParaRPr lang="zh-CN" altLang="en-US" dirty="0"/>
+                    </a:p>
+                  </a:txBody>
+                  <a:tcPr/>
+                </a:tc>
+                <a:extLst>
+                  <a:ext uri="{0D108BD9-81ED-4DB2-BD59-A6C34878D82A}">
+                    <a16:rowId xmlns:a16="http://schemas.microsoft.com/office/drawing/2014/main" val="2085915473"/>
+                  </a:ext>
+                </a:extLst>
+              </a:tr>
+              <a:tr h="0">
+                <a:tc>
+                  <a:txBody>
+                    <a:bodyPr/>
+                    <a:lstStyle/>
+                    <a:p>
+                      <a:r>
+                        <a:rPr lang="en-US" altLang="zh-CN" dirty="0"/>
+                        <a:t>61fe14</a:t>
+                      </a:r>
+                      <a:endParaRPr lang="zh-CN" altLang="en-US" dirty="0"/>
+                    </a:p>
+                  </a:txBody>
+                  <a:tcPr>
+                    <a:solidFill>
+                      <a:srgbClr val="FFC000"/>
+                    </a:solidFill>
+                  </a:tcPr>
+                </a:tc>
+                <a:tc rowSpan="4">
+                  <a:txBody>
+                    <a:bodyPr/>
+                    <a:lstStyle/>
+                    <a:p>
+                      <a:pPr algn="ctr"/>
+                      <a:endParaRPr lang="en-US" altLang="zh-CN" dirty="0"/>
+                    </a:p>
+                    <a:p>
+                      <a:pPr algn="ctr"/>
+                      <a:r>
+                        <a:rPr lang="en-US" altLang="zh-CN" dirty="0"/>
+                        <a:t>a[0]</a:t>
+                      </a:r>
+                      <a:endParaRPr lang="zh-CN" altLang="en-US" dirty="0"/>
+                    </a:p>
+                  </a:txBody>
+                  <a:tcPr>
+                    <a:solidFill>
+                      <a:srgbClr val="FFC000"/>
+                    </a:solidFill>
+                  </a:tcPr>
+                </a:tc>
+                <a:tc rowSpan="12">
+                  <a:txBody>
+                    <a:bodyPr/>
+                    <a:lstStyle/>
+                    <a:p>
+                      <a:pPr algn="ctr"/>
+                      <a:endParaRPr lang="en-US" altLang="zh-CN" dirty="0"/>
+                    </a:p>
+                    <a:p>
+                      <a:pPr algn="ctr"/>
+                      <a:endParaRPr lang="en-US" altLang="zh-CN" dirty="0"/>
+                    </a:p>
+                    <a:p>
+                      <a:pPr algn="ctr"/>
+                      <a:endParaRPr lang="en-US" altLang="zh-CN" dirty="0"/>
+                    </a:p>
+                    <a:p>
+                      <a:pPr algn="ctr"/>
+                      <a:endParaRPr lang="en-US" altLang="zh-CN" dirty="0"/>
+                    </a:p>
+                    <a:p>
+                      <a:pPr algn="ctr"/>
+                      <a:endParaRPr lang="en-US" altLang="zh-CN" dirty="0"/>
+                    </a:p>
+                    <a:p>
+                      <a:pPr algn="ctr"/>
+                      <a:endParaRPr lang="en-US" altLang="zh-CN" dirty="0"/>
+                    </a:p>
+                    <a:p>
+                      <a:pPr algn="ctr"/>
+                      <a:r>
+                        <a:rPr lang="en-US" altLang="zh-CN" dirty="0"/>
+                        <a:t>a</a:t>
+                      </a:r>
+                      <a:endParaRPr lang="zh-CN" altLang="en-US" dirty="0"/>
+                    </a:p>
+                  </a:txBody>
+                  <a:tcPr/>
+                </a:tc>
+                <a:extLst>
+                  <a:ext uri="{0D108BD9-81ED-4DB2-BD59-A6C34878D82A}">
+                    <a16:rowId xmlns:a16="http://schemas.microsoft.com/office/drawing/2014/main" val="3713460400"/>
+                  </a:ext>
+                </a:extLst>
+              </a:tr>
+              <a:tr h="273050">
+                <a:tc>
+                  <a:txBody>
+                    <a:bodyPr/>
+                    <a:lstStyle/>
+                    <a:p>
+                      <a:r>
+                        <a:rPr lang="en-US" altLang="zh-CN" dirty="0"/>
+                        <a:t>61fe15</a:t>
+                      </a:r>
+                      <a:endParaRPr lang="zh-CN" altLang="en-US" dirty="0"/>
+                    </a:p>
+                  </a:txBody>
+                  <a:tcPr/>
+                </a:tc>
+                <a:tc vMerge="1">
+                  <a:txBody>
+                    <a:bodyPr/>
+                    <a:lstStyle/>
+                    <a:p>
+                      <a:endParaRPr lang="zh-CN" altLang="en-US"/>
+                    </a:p>
+                  </a:txBody>
+                  <a:tcPr/>
+                </a:tc>
+                <a:tc vMerge="1">
+                  <a:txBody>
+                    <a:bodyPr/>
+                    <a:lstStyle/>
+                    <a:p>
+                      <a:endParaRPr lang="zh-CN" altLang="en-US"/>
+                    </a:p>
+                  </a:txBody>
+                  <a:tcPr/>
+                </a:tc>
+                <a:extLst>
+                  <a:ext uri="{0D108BD9-81ED-4DB2-BD59-A6C34878D82A}">
+                    <a16:rowId xmlns:a16="http://schemas.microsoft.com/office/drawing/2014/main" val="4252869743"/>
+                  </a:ext>
+                </a:extLst>
+              </a:tr>
+              <a:tr h="180340">
+                <a:tc>
+                  <a:txBody>
+                    <a:bodyPr/>
+                    <a:lstStyle/>
+                    <a:p>
+                      <a:r>
+                        <a:rPr lang="en-US" altLang="zh-CN" dirty="0"/>
+                        <a:t>61fe16</a:t>
+                      </a:r>
+                      <a:endParaRPr lang="zh-CN" altLang="en-US" dirty="0"/>
+                    </a:p>
+                  </a:txBody>
+                  <a:tcPr/>
+                </a:tc>
+                <a:tc vMerge="1">
+                  <a:txBody>
+                    <a:bodyPr/>
+                    <a:lstStyle/>
+                    <a:p>
+                      <a:endParaRPr lang="zh-CN" altLang="en-US"/>
+                    </a:p>
+                  </a:txBody>
+                  <a:tcPr/>
+                </a:tc>
+                <a:tc vMerge="1">
+                  <a:txBody>
+                    <a:bodyPr/>
+                    <a:lstStyle/>
+                    <a:p>
+                      <a:endParaRPr lang="zh-CN" altLang="en-US"/>
+                    </a:p>
+                  </a:txBody>
+                  <a:tcPr/>
+                </a:tc>
+                <a:extLst>
+                  <a:ext uri="{0D108BD9-81ED-4DB2-BD59-A6C34878D82A}">
+                    <a16:rowId xmlns:a16="http://schemas.microsoft.com/office/drawing/2014/main" val="335704297"/>
+                  </a:ext>
+                </a:extLst>
+              </a:tr>
+              <a:tr h="0">
+                <a:tc>
+                  <a:txBody>
+                    <a:bodyPr/>
+                    <a:lstStyle/>
+                    <a:p>
+                      <a:r>
+                        <a:rPr lang="en-US" altLang="zh-CN" dirty="0"/>
+                        <a:t>61fe17</a:t>
+                      </a:r>
+                      <a:endParaRPr lang="zh-CN" altLang="en-US" dirty="0"/>
+                    </a:p>
+                  </a:txBody>
+                  <a:tcPr/>
+                </a:tc>
+                <a:tc vMerge="1">
+                  <a:txBody>
+                    <a:bodyPr/>
+                    <a:lstStyle/>
+                    <a:p>
+                      <a:endParaRPr lang="zh-CN" altLang="en-US"/>
+                    </a:p>
+                  </a:txBody>
+                  <a:tcPr/>
+                </a:tc>
+                <a:tc vMerge="1">
+                  <a:txBody>
+                    <a:bodyPr/>
+                    <a:lstStyle/>
+                    <a:p>
+                      <a:endParaRPr lang="zh-CN" altLang="en-US"/>
+                    </a:p>
+                  </a:txBody>
+                  <a:tcPr/>
+                </a:tc>
+                <a:extLst>
+                  <a:ext uri="{0D108BD9-81ED-4DB2-BD59-A6C34878D82A}">
+                    <a16:rowId xmlns:a16="http://schemas.microsoft.com/office/drawing/2014/main" val="2044501182"/>
+                  </a:ext>
+                </a:extLst>
+              </a:tr>
+              <a:tr h="0">
+                <a:tc>
+                  <a:txBody>
+                    <a:bodyPr/>
+                    <a:lstStyle/>
+                    <a:p>
+                      <a:r>
+                        <a:rPr lang="en-US" altLang="zh-CN" dirty="0"/>
+                        <a:t>61fe18</a:t>
+                      </a:r>
+                      <a:endParaRPr lang="zh-CN" altLang="en-US" dirty="0"/>
+                    </a:p>
+                  </a:txBody>
+                  <a:tcPr>
+                    <a:solidFill>
+                      <a:srgbClr val="92D050"/>
+                    </a:solidFill>
+                  </a:tcPr>
+                </a:tc>
+                <a:tc rowSpan="4">
+                  <a:txBody>
+                    <a:bodyPr/>
+                    <a:lstStyle/>
+                    <a:p>
+                      <a:pPr algn="ctr"/>
+                      <a:endParaRPr lang="en-US" altLang="zh-CN" dirty="0"/>
+                    </a:p>
+                    <a:p>
+                      <a:pPr algn="ctr"/>
+                      <a:endParaRPr lang="en-US" altLang="zh-CN" dirty="0"/>
+                    </a:p>
+                    <a:p>
+                      <a:pPr algn="ctr"/>
+                      <a:r>
+                        <a:rPr lang="en-US" altLang="zh-CN" dirty="0"/>
+                        <a:t>a[1]</a:t>
+                      </a:r>
+                      <a:endParaRPr lang="zh-CN" altLang="en-US" dirty="0"/>
+                    </a:p>
+                  </a:txBody>
+                  <a:tcPr>
+                    <a:solidFill>
+                      <a:srgbClr val="92D050"/>
+                    </a:solidFill>
+                  </a:tcPr>
+                </a:tc>
+                <a:tc vMerge="1">
+                  <a:txBody>
+                    <a:bodyPr/>
+                    <a:lstStyle/>
+                    <a:p>
+                      <a:endParaRPr lang="zh-CN" altLang="en-US" dirty="0"/>
+                    </a:p>
+                  </a:txBody>
+                  <a:tcPr/>
+                </a:tc>
+                <a:extLst>
+                  <a:ext uri="{0D108BD9-81ED-4DB2-BD59-A6C34878D82A}">
+                    <a16:rowId xmlns:a16="http://schemas.microsoft.com/office/drawing/2014/main" val="2678589340"/>
+                  </a:ext>
+                </a:extLst>
+              </a:tr>
+              <a:tr h="273050">
+                <a:tc>
+                  <a:txBody>
+                    <a:bodyPr/>
+                    <a:lstStyle/>
+                    <a:p>
+                      <a:r>
+                        <a:rPr lang="en-US" altLang="zh-CN" dirty="0"/>
+                        <a:t>61fe19</a:t>
+                      </a:r>
+                      <a:endParaRPr lang="zh-CN" altLang="en-US" dirty="0"/>
+                    </a:p>
+                  </a:txBody>
+                  <a:tcPr/>
+                </a:tc>
+                <a:tc vMerge="1">
+                  <a:txBody>
+                    <a:bodyPr/>
+                    <a:lstStyle/>
+                    <a:p>
+                      <a:endParaRPr lang="zh-CN" altLang="en-US"/>
+                    </a:p>
+                  </a:txBody>
+                  <a:tcPr/>
+                </a:tc>
+                <a:tc vMerge="1">
+                  <a:txBody>
+                    <a:bodyPr/>
+                    <a:lstStyle/>
+                    <a:p>
+                      <a:endParaRPr lang="zh-CN" altLang="en-US"/>
+                    </a:p>
+                  </a:txBody>
+                  <a:tcPr/>
+                </a:tc>
+                <a:extLst>
+                  <a:ext uri="{0D108BD9-81ED-4DB2-BD59-A6C34878D82A}">
+                    <a16:rowId xmlns:a16="http://schemas.microsoft.com/office/drawing/2014/main" val="4242175918"/>
+                  </a:ext>
+                </a:extLst>
+              </a:tr>
+              <a:tr h="180340">
+                <a:tc>
+                  <a:txBody>
+                    <a:bodyPr/>
+                    <a:lstStyle/>
+                    <a:p>
+                      <a:r>
+                        <a:rPr lang="en-US" altLang="zh-CN" dirty="0"/>
+                        <a:t>61fe1a</a:t>
+                      </a:r>
+                      <a:endParaRPr lang="zh-CN" altLang="en-US" dirty="0"/>
+                    </a:p>
+                  </a:txBody>
+                  <a:tcPr/>
+                </a:tc>
+                <a:tc vMerge="1">
+                  <a:txBody>
+                    <a:bodyPr/>
+                    <a:lstStyle/>
+                    <a:p>
+                      <a:endParaRPr lang="zh-CN" altLang="en-US"/>
+                    </a:p>
+                  </a:txBody>
+                  <a:tcPr/>
+                </a:tc>
+                <a:tc vMerge="1">
+                  <a:txBody>
+                    <a:bodyPr/>
+                    <a:lstStyle/>
+                    <a:p>
+                      <a:endParaRPr lang="zh-CN" altLang="en-US"/>
+                    </a:p>
+                  </a:txBody>
+                  <a:tcPr/>
+                </a:tc>
+                <a:extLst>
+                  <a:ext uri="{0D108BD9-81ED-4DB2-BD59-A6C34878D82A}">
+                    <a16:rowId xmlns:a16="http://schemas.microsoft.com/office/drawing/2014/main" val="4142814365"/>
+                  </a:ext>
+                </a:extLst>
+              </a:tr>
+              <a:tr h="0">
+                <a:tc>
+                  <a:txBody>
+                    <a:bodyPr/>
+                    <a:lstStyle/>
+                    <a:p>
+                      <a:r>
+                        <a:rPr lang="en-US" altLang="zh-CN" dirty="0"/>
+                        <a:t>61fe1b</a:t>
+                      </a:r>
+                      <a:endParaRPr lang="zh-CN" altLang="en-US" dirty="0"/>
+                    </a:p>
+                  </a:txBody>
+                  <a:tcPr/>
+                </a:tc>
+                <a:tc vMerge="1">
+                  <a:txBody>
+                    <a:bodyPr/>
+                    <a:lstStyle/>
+                    <a:p>
+                      <a:endParaRPr lang="zh-CN" altLang="en-US"/>
+                    </a:p>
+                  </a:txBody>
+                  <a:tcPr/>
+                </a:tc>
+                <a:tc vMerge="1">
+                  <a:txBody>
+                    <a:bodyPr/>
+                    <a:lstStyle/>
+                    <a:p>
+                      <a:endParaRPr lang="zh-CN" altLang="en-US"/>
+                    </a:p>
+                  </a:txBody>
+                  <a:tcPr/>
+                </a:tc>
+                <a:extLst>
+                  <a:ext uri="{0D108BD9-81ED-4DB2-BD59-A6C34878D82A}">
+                    <a16:rowId xmlns:a16="http://schemas.microsoft.com/office/drawing/2014/main" val="3991398303"/>
+                  </a:ext>
+                </a:extLst>
+              </a:tr>
+              <a:tr h="0">
+                <a:tc>
+                  <a:txBody>
+                    <a:bodyPr/>
+                    <a:lstStyle/>
+                    <a:p>
+                      <a:r>
+                        <a:rPr lang="en-US" altLang="zh-CN" dirty="0"/>
+                        <a:t>61fe1c</a:t>
+                      </a:r>
+                      <a:endParaRPr lang="zh-CN" altLang="en-US" dirty="0"/>
+                    </a:p>
+                  </a:txBody>
+                  <a:tcPr>
+                    <a:solidFill>
+                      <a:srgbClr val="00B0F0"/>
+                    </a:solidFill>
+                  </a:tcPr>
+                </a:tc>
+                <a:tc rowSpan="4">
+                  <a:txBody>
+                    <a:bodyPr/>
+                    <a:lstStyle/>
+                    <a:p>
+                      <a:pPr algn="ctr"/>
+                      <a:endParaRPr lang="en-US" altLang="zh-CN" dirty="0"/>
+                    </a:p>
+                    <a:p>
+                      <a:pPr algn="ctr"/>
+                      <a:endParaRPr lang="en-US" altLang="zh-CN" dirty="0"/>
+                    </a:p>
+                    <a:p>
+                      <a:pPr algn="ctr"/>
+                      <a:r>
+                        <a:rPr lang="en-US" altLang="zh-CN" dirty="0"/>
+                        <a:t>a[2]</a:t>
+                      </a:r>
+                      <a:endParaRPr lang="zh-CN" altLang="en-US" dirty="0"/>
+                    </a:p>
+                  </a:txBody>
+                  <a:tcPr>
+                    <a:solidFill>
+                      <a:srgbClr val="00B0F0"/>
+                    </a:solidFill>
+                  </a:tcPr>
+                </a:tc>
+                <a:tc vMerge="1">
+                  <a:txBody>
+                    <a:bodyPr/>
+                    <a:lstStyle/>
+                    <a:p>
+                      <a:endParaRPr lang="zh-CN" altLang="en-US" dirty="0"/>
+                    </a:p>
+                  </a:txBody>
+                  <a:tcPr/>
+                </a:tc>
+                <a:extLst>
+                  <a:ext uri="{0D108BD9-81ED-4DB2-BD59-A6C34878D82A}">
+                    <a16:rowId xmlns:a16="http://schemas.microsoft.com/office/drawing/2014/main" val="187359546"/>
+                  </a:ext>
+                </a:extLst>
+              </a:tr>
+              <a:tr h="273050">
+                <a:tc>
+                  <a:txBody>
+                    <a:bodyPr/>
+                    <a:lstStyle/>
+                    <a:p>
+                      <a:r>
+                        <a:rPr lang="en-US" altLang="zh-CN" dirty="0"/>
+                        <a:t>61fe1d</a:t>
+                      </a:r>
+                      <a:endParaRPr lang="zh-CN" altLang="en-US" dirty="0"/>
+                    </a:p>
+                  </a:txBody>
+                  <a:tcPr/>
+                </a:tc>
+                <a:tc vMerge="1">
+                  <a:txBody>
+                    <a:bodyPr/>
+                    <a:lstStyle/>
+                    <a:p>
+                      <a:endParaRPr lang="zh-CN" altLang="en-US"/>
+                    </a:p>
+                  </a:txBody>
+                  <a:tcPr/>
+                </a:tc>
+                <a:tc vMerge="1">
+                  <a:txBody>
+                    <a:bodyPr/>
+                    <a:lstStyle/>
+                    <a:p>
+                      <a:endParaRPr lang="zh-CN" altLang="en-US"/>
+                    </a:p>
+                  </a:txBody>
+                  <a:tcPr/>
+                </a:tc>
+                <a:extLst>
+                  <a:ext uri="{0D108BD9-81ED-4DB2-BD59-A6C34878D82A}">
+                    <a16:rowId xmlns:a16="http://schemas.microsoft.com/office/drawing/2014/main" val="2874657037"/>
+                  </a:ext>
+                </a:extLst>
+              </a:tr>
+              <a:tr h="180340">
+                <a:tc>
+                  <a:txBody>
+                    <a:bodyPr/>
+                    <a:lstStyle/>
+                    <a:p>
+                      <a:r>
+                        <a:rPr lang="en-US" altLang="zh-CN" dirty="0"/>
+                        <a:t>61fe1e</a:t>
+                      </a:r>
+                      <a:endParaRPr lang="zh-CN" altLang="en-US" dirty="0"/>
+                    </a:p>
+                  </a:txBody>
+                  <a:tcPr/>
+                </a:tc>
+                <a:tc vMerge="1">
+                  <a:txBody>
+                    <a:bodyPr/>
+                    <a:lstStyle/>
+                    <a:p>
+                      <a:endParaRPr lang="zh-CN" altLang="en-US"/>
+                    </a:p>
+                  </a:txBody>
+                  <a:tcPr/>
+                </a:tc>
+                <a:tc vMerge="1">
+                  <a:txBody>
+                    <a:bodyPr/>
+                    <a:lstStyle/>
+                    <a:p>
+                      <a:endParaRPr lang="zh-CN" altLang="en-US"/>
+                    </a:p>
+                  </a:txBody>
+                  <a:tcPr/>
+                </a:tc>
+                <a:extLst>
+                  <a:ext uri="{0D108BD9-81ED-4DB2-BD59-A6C34878D82A}">
+                    <a16:rowId xmlns:a16="http://schemas.microsoft.com/office/drawing/2014/main" val="1734132499"/>
+                  </a:ext>
+                </a:extLst>
+              </a:tr>
+              <a:tr h="0">
+                <a:tc>
+                  <a:txBody>
+                    <a:bodyPr/>
+                    <a:lstStyle/>
+                    <a:p>
+                      <a:r>
+                        <a:rPr lang="en-US" altLang="zh-CN" dirty="0"/>
+                        <a:t>61fe1f</a:t>
+                      </a:r>
+                      <a:endParaRPr lang="zh-CN" altLang="en-US" dirty="0"/>
+                    </a:p>
+                  </a:txBody>
+                  <a:tcPr/>
+                </a:tc>
+                <a:tc vMerge="1">
+                  <a:txBody>
+                    <a:bodyPr/>
+                    <a:lstStyle/>
+                    <a:p>
+                      <a:endParaRPr lang="zh-CN" altLang="en-US"/>
+                    </a:p>
+                  </a:txBody>
+                  <a:tcPr/>
+                </a:tc>
+                <a:tc vMerge="1">
+                  <a:txBody>
+                    <a:bodyPr/>
+                    <a:lstStyle/>
+                    <a:p>
+                      <a:endParaRPr lang="zh-CN" altLang="en-US"/>
+                    </a:p>
+                  </a:txBody>
+                  <a:tcPr/>
+                </a:tc>
+                <a:extLst>
+                  <a:ext uri="{0D108BD9-81ED-4DB2-BD59-A6C34878D82A}">
+                    <a16:rowId xmlns:a16="http://schemas.microsoft.com/office/drawing/2014/main" val="3261652352"/>
+                  </a:ext>
+                </a:extLst>
+              </a:tr>
+              <a:tr h="370840">
+                <a:tc>
+                  <a:txBody>
+                    <a:bodyPr/>
+                    <a:lstStyle/>
+                    <a:p>
+                      <a:endParaRPr lang="zh-CN" altLang="en-US"/>
+                    </a:p>
+                  </a:txBody>
+                  <a:tcPr/>
+                </a:tc>
+                <a:tc>
+                  <a:txBody>
+                    <a:bodyPr/>
+                    <a:lstStyle/>
+                    <a:p>
+                      <a:endParaRPr lang="zh-CN" altLang="en-US"/>
+                    </a:p>
+                  </a:txBody>
+                  <a:tcPr/>
+                </a:tc>
+                <a:tc>
+                  <a:txBody>
+                    <a:bodyPr/>
+                    <a:lstStyle/>
+                    <a:p>
+                      <a:endParaRPr lang="zh-CN" altLang="en-US"/>
+                    </a:p>
+                  </a:txBody>
+                  <a:tcPr/>
+                </a:tc>
+                <a:extLst>
+                  <a:ext uri="{0D108BD9-81ED-4DB2-BD59-A6C34878D82A}">
+                    <a16:rowId xmlns:a16="http://schemas.microsoft.com/office/drawing/2014/main" val="408775364"/>
+                  </a:ext>
+                </a:extLst>
+              </a:tr>
+              <a:tr h="370840">
+                <a:tc>
+                  <a:txBody>
+                    <a:bodyPr/>
+                    <a:lstStyle/>
+                    <a:p>
+                      <a:endParaRPr lang="zh-CN" altLang="en-US"/>
+                    </a:p>
+                  </a:txBody>
+                  <a:tcPr/>
+                </a:tc>
+                <a:tc>
+                  <a:txBody>
+                    <a:bodyPr/>
+                    <a:lstStyle/>
+                    <a:p>
+                      <a:endParaRPr lang="zh-CN" altLang="en-US"/>
+                    </a:p>
+                  </a:txBody>
+                  <a:tcPr/>
+                </a:tc>
+                <a:tc>
+                  <a:txBody>
+                    <a:bodyPr/>
+                    <a:lstStyle/>
+                    <a:p>
+                      <a:endParaRPr lang="zh-CN" altLang="en-US"/>
+                    </a:p>
+                  </a:txBody>
+                  <a:tcPr/>
+                </a:tc>
+                <a:extLst>
+                  <a:ext uri="{0D108BD9-81ED-4DB2-BD59-A6C34878D82A}">
+                    <a16:rowId xmlns:a16="http://schemas.microsoft.com/office/drawing/2014/main" val="515872153"/>
+                  </a:ext>
+                </a:extLst>
+              </a:tr>
+              <a:tr h="370840">
+                <a:tc>
+                  <a:txBody>
+                    <a:bodyPr/>
+                    <a:lstStyle/>
+                    <a:p>
+                      <a:endParaRPr lang="zh-CN" altLang="en-US"/>
+                    </a:p>
+                  </a:txBody>
+                  <a:tcPr/>
+                </a:tc>
+                <a:tc>
+                  <a:txBody>
+                    <a:bodyPr/>
+                    <a:lstStyle/>
+                    <a:p>
+                      <a:endParaRPr lang="zh-CN" altLang="en-US"/>
+                    </a:p>
+                  </a:txBody>
+                  <a:tcPr/>
+                </a:tc>
+                <a:tc>
+                  <a:txBody>
+                    <a:bodyPr/>
+                    <a:lstStyle/>
+                    <a:p>
+                      <a:endParaRPr lang="zh-CN" altLang="en-US"/>
+                    </a:p>
+                  </a:txBody>
+                  <a:tcPr/>
+                </a:tc>
+                <a:extLst>
+                  <a:ext uri="{0D108BD9-81ED-4DB2-BD59-A6C34878D82A}">
+                    <a16:rowId xmlns:a16="http://schemas.microsoft.com/office/drawing/2014/main" val="2016990322"/>
+                  </a:ext>
+                </a:extLst>
+              </a:tr>
+              <a:tr h="370840">
+                <a:tc>
+                  <a:txBody>
+                    <a:bodyPr/>
+                    <a:lstStyle/>
+                    <a:p>
+                      <a:endParaRPr lang="zh-CN" altLang="en-US"/>
+                    </a:p>
+                  </a:txBody>
+                  <a:tcPr/>
+                </a:tc>
+                <a:tc>
+                  <a:txBody>
+                    <a:bodyPr/>
+                    <a:lstStyle/>
+                    <a:p>
+                      <a:endParaRPr lang="zh-CN" altLang="en-US"/>
+                    </a:p>
+                  </a:txBody>
+                  <a:tcPr/>
+                </a:tc>
+                <a:tc>
+                  <a:txBody>
+                    <a:bodyPr/>
+                    <a:lstStyle/>
+                    <a:p>
+                      <a:endParaRPr lang="zh-CN" altLang="en-US" dirty="0"/>
+                    </a:p>
+                  </a:txBody>
+                  <a:tcPr/>
+                </a:tc>
+                <a:extLst>
+                  <a:ext uri="{0D108BD9-81ED-4DB2-BD59-A6C34878D82A}">
+                    <a16:rowId xmlns:a16="http://schemas.microsoft.com/office/drawing/2014/main" val="259612331"/>
+                  </a:ext>
+                </a:extLst>
+              </a:tr>
+            </a:tbl>
+          </a:graphicData>
+        </a:graphic>
+      </p:graphicFrame>
+    </p:spTree>
+    <p:extLst>
+      <p:ext uri="{BB962C8B-B14F-4D97-AF65-F5344CB8AC3E}">
+        <p14:creationId xmlns:p14="http://schemas.microsoft.com/office/powerpoint/2010/main" val="413452492"/>
+      </p:ext>
+    </p:extLst>
+  </p:cSld>
+  <p:clrMapOvr>
+    <a:masterClrMapping/>
+  </p:clrMapOvr>
+</p:sld>
+</file>
+
 <file path=ppt/theme/theme1.xml><?xml version="1.0" encoding="utf-8"?>
 <a:theme xmlns:a="http://schemas.openxmlformats.org/drawingml/2006/main" name="Office 主题​​">
   <a:themeElements>

--- a/Tools/绘图.pptx
+++ b/Tools/绘图.pptx
@@ -9,6 +9,7 @@
     <p:sldId id="257" r:id="rId3"/>
     <p:sldId id="258" r:id="rId4"/>
     <p:sldId id="259" r:id="rId5"/>
+    <p:sldId id="260" r:id="rId6"/>
   </p:sldIdLst>
   <p:sldSz cx="12192000" cy="6858000"/>
   <p:notesSz cx="6858000" cy="9144000"/>
@@ -5859,6 +5860,1107 @@
 </p:sld>
 </file>
 
+<file path=ppt/slides/slide5.xml><?xml version="1.0" encoding="utf-8"?>
+<p:sld xmlns:a="http://schemas.openxmlformats.org/drawingml/2006/main" xmlns:r="http://schemas.openxmlformats.org/officeDocument/2006/relationships" xmlns:p="http://schemas.openxmlformats.org/presentationml/2006/main">
+  <p:cSld>
+    <p:spTree>
+      <p:nvGrpSpPr>
+        <p:cNvPr id="1" name=""/>
+        <p:cNvGrpSpPr/>
+        <p:nvPr/>
+      </p:nvGrpSpPr>
+      <p:grpSpPr>
+        <a:xfrm>
+          <a:off x="0" y="0"/>
+          <a:ext cx="0" cy="0"/>
+          <a:chOff x="0" y="0"/>
+          <a:chExt cx="0" cy="0"/>
+        </a:xfrm>
+      </p:grpSpPr>
+      <p:graphicFrame>
+        <p:nvGraphicFramePr>
+          <p:cNvPr id="2" name="表格 2">
+            <a:extLst>
+              <a:ext uri="{FF2B5EF4-FFF2-40B4-BE49-F238E27FC236}">
+                <a16:creationId xmlns:a16="http://schemas.microsoft.com/office/drawing/2014/main" id="{1F9AC38A-4CFD-4D42-9D3D-9D3BEF702C24}"/>
+              </a:ext>
+            </a:extLst>
+          </p:cNvPr>
+          <p:cNvGraphicFramePr>
+            <a:graphicFrameLocks noGrp="1"/>
+          </p:cNvGraphicFramePr>
+          <p:nvPr>
+            <p:extLst>
+              <p:ext uri="{D42A27DB-BD31-4B8C-83A1-F6EECF244321}">
+                <p14:modId xmlns:p14="http://schemas.microsoft.com/office/powerpoint/2010/main" val="2816398008"/>
+              </p:ext>
+            </p:extLst>
+          </p:nvPr>
+        </p:nvGraphicFramePr>
+        <p:xfrm>
+          <a:off x="2032000" y="719666"/>
+          <a:ext cx="8128000" cy="6955215"/>
+        </p:xfrm>
+        <a:graphic>
+          <a:graphicData uri="http://schemas.openxmlformats.org/drawingml/2006/table">
+            <a:tbl>
+              <a:tblPr firstRow="1" bandRow="1">
+                <a:tableStyleId>{5C22544A-7EE6-4342-B048-85BDC9FD1C3A}</a:tableStyleId>
+              </a:tblPr>
+              <a:tblGrid>
+                <a:gridCol w="2709333">
+                  <a:extLst>
+                    <a:ext uri="{9D8B030D-6E8A-4147-A177-3AD203B41FA5}">
+                      <a16:colId xmlns:a16="http://schemas.microsoft.com/office/drawing/2014/main" val="1215297779"/>
+                    </a:ext>
+                  </a:extLst>
+                </a:gridCol>
+                <a:gridCol w="1354667">
+                  <a:extLst>
+                    <a:ext uri="{9D8B030D-6E8A-4147-A177-3AD203B41FA5}">
+                      <a16:colId xmlns:a16="http://schemas.microsoft.com/office/drawing/2014/main" val="2822950950"/>
+                    </a:ext>
+                  </a:extLst>
+                </a:gridCol>
+                <a:gridCol w="1354667">
+                  <a:extLst>
+                    <a:ext uri="{9D8B030D-6E8A-4147-A177-3AD203B41FA5}">
+                      <a16:colId xmlns:a16="http://schemas.microsoft.com/office/drawing/2014/main" val="3589309232"/>
+                    </a:ext>
+                  </a:extLst>
+                </a:gridCol>
+                <a:gridCol w="2709333">
+                  <a:extLst>
+                    <a:ext uri="{9D8B030D-6E8A-4147-A177-3AD203B41FA5}">
+                      <a16:colId xmlns:a16="http://schemas.microsoft.com/office/drawing/2014/main" val="751654664"/>
+                    </a:ext>
+                  </a:extLst>
+                </a:gridCol>
+              </a:tblGrid>
+              <a:tr h="370840">
+                <a:tc>
+                  <a:txBody>
+                    <a:bodyPr/>
+                    <a:lstStyle/>
+                    <a:p>
+                      <a:pPr algn="ctr"/>
+                      <a:r>
+                        <a:rPr lang="zh-CN" altLang="en-US" dirty="0"/>
+                        <a:t>地址</a:t>
+                      </a:r>
+                    </a:p>
+                  </a:txBody>
+                  <a:tcPr/>
+                </a:tc>
+                <a:tc gridSpan="3">
+                  <a:txBody>
+                    <a:bodyPr/>
+                    <a:lstStyle/>
+                    <a:p>
+                      <a:pPr algn="ctr"/>
+                      <a:r>
+                        <a:rPr lang="zh-CN" altLang="en-US" dirty="0"/>
+                        <a:t>变量</a:t>
+                      </a:r>
+                    </a:p>
+                  </a:txBody>
+                  <a:tcPr/>
+                </a:tc>
+                <a:tc hMerge="1">
+                  <a:txBody>
+                    <a:bodyPr/>
+                    <a:lstStyle/>
+                    <a:p>
+                      <a:endParaRPr lang="zh-CN" altLang="en-US"/>
+                    </a:p>
+                  </a:txBody>
+                  <a:tcPr/>
+                </a:tc>
+                <a:tc hMerge="1">
+                  <a:txBody>
+                    <a:bodyPr/>
+                    <a:lstStyle/>
+                    <a:p>
+                      <a:endParaRPr lang="zh-CN" altLang="en-US" dirty="0"/>
+                    </a:p>
+                  </a:txBody>
+                  <a:tcPr/>
+                </a:tc>
+                <a:extLst>
+                  <a:ext uri="{0D108BD9-81ED-4DB2-BD59-A6C34878D82A}">
+                    <a16:rowId xmlns:a16="http://schemas.microsoft.com/office/drawing/2014/main" val="2085915473"/>
+                  </a:ext>
+                </a:extLst>
+              </a:tr>
+              <a:tr h="640080">
+                <a:tc>
+                  <a:txBody>
+                    <a:bodyPr/>
+                    <a:lstStyle/>
+                    <a:p>
+                      <a:pPr algn="ctr"/>
+                      <a:r>
+                        <a:rPr lang="en-US" altLang="zh-CN" dirty="0"/>
+                        <a:t>61fe00</a:t>
+                      </a:r>
+                      <a:endParaRPr lang="zh-CN" altLang="en-US" dirty="0"/>
+                    </a:p>
+                  </a:txBody>
+                  <a:tcPr>
+                    <a:solidFill>
+                      <a:srgbClr val="FFC000"/>
+                    </a:solidFill>
+                  </a:tcPr>
+                </a:tc>
+                <a:tc>
+                  <a:txBody>
+                    <a:bodyPr/>
+                    <a:lstStyle/>
+                    <a:p>
+                      <a:pPr algn="ctr"/>
+                      <a:r>
+                        <a:rPr lang="en-US" altLang="zh-CN" dirty="0"/>
+                        <a:t>a[0][0]</a:t>
+                      </a:r>
+                      <a:endParaRPr lang="zh-CN" altLang="en-US" dirty="0"/>
+                    </a:p>
+                  </a:txBody>
+                  <a:tcPr>
+                    <a:solidFill>
+                      <a:srgbClr val="FFC000"/>
+                    </a:solidFill>
+                  </a:tcPr>
+                </a:tc>
+                <a:tc rowSpan="3">
+                  <a:txBody>
+                    <a:bodyPr/>
+                    <a:lstStyle/>
+                    <a:p>
+                      <a:pPr marL="0" marR="0" lvl="0" indent="0" algn="ctr" defTabSz="914400" rtl="0" eaLnBrk="1" fontAlgn="auto" latinLnBrk="0" hangingPunct="1">
+                        <a:lnSpc>
+                          <a:spcPct val="100000"/>
+                        </a:lnSpc>
+                        <a:spcBef>
+                          <a:spcPts val="0"/>
+                        </a:spcBef>
+                        <a:spcAft>
+                          <a:spcPts val="0"/>
+                        </a:spcAft>
+                        <a:buClrTx/>
+                        <a:buSzTx/>
+                        <a:buFontTx/>
+                        <a:buNone/>
+                        <a:tabLst/>
+                        <a:defRPr/>
+                      </a:pPr>
+                      <a:endParaRPr lang="en-US" altLang="zh-CN" dirty="0"/>
+                    </a:p>
+                    <a:p>
+                      <a:pPr marL="0" marR="0" lvl="0" indent="0" algn="ctr" defTabSz="914400" rtl="0" eaLnBrk="1" fontAlgn="auto" latinLnBrk="0" hangingPunct="1">
+                        <a:lnSpc>
+                          <a:spcPct val="100000"/>
+                        </a:lnSpc>
+                        <a:spcBef>
+                          <a:spcPts val="0"/>
+                        </a:spcBef>
+                        <a:spcAft>
+                          <a:spcPts val="0"/>
+                        </a:spcAft>
+                        <a:buClrTx/>
+                        <a:buSzTx/>
+                        <a:buFontTx/>
+                        <a:buNone/>
+                        <a:tabLst/>
+                        <a:defRPr/>
+                      </a:pPr>
+                      <a:r>
+                        <a:rPr lang="en-US" altLang="zh-CN" dirty="0"/>
+                        <a:t>a[0]</a:t>
+                      </a:r>
+                      <a:endParaRPr lang="zh-CN" altLang="en-US" dirty="0"/>
+                    </a:p>
+                  </a:txBody>
+                  <a:tcPr>
+                    <a:solidFill>
+                      <a:srgbClr val="FFC000"/>
+                    </a:solidFill>
+                  </a:tcPr>
+                </a:tc>
+                <a:tc rowSpan="6">
+                  <a:txBody>
+                    <a:bodyPr/>
+                    <a:lstStyle/>
+                    <a:p>
+                      <a:pPr algn="ctr"/>
+                      <a:endParaRPr lang="en-US" altLang="zh-CN" dirty="0"/>
+                    </a:p>
+                    <a:p>
+                      <a:pPr algn="ctr"/>
+                      <a:endParaRPr lang="en-US" altLang="zh-CN" dirty="0"/>
+                    </a:p>
+                    <a:p>
+                      <a:pPr algn="ctr"/>
+                      <a:endParaRPr lang="en-US" altLang="zh-CN" dirty="0"/>
+                    </a:p>
+                    <a:p>
+                      <a:pPr algn="ctr"/>
+                      <a:endParaRPr lang="en-US" altLang="zh-CN" dirty="0"/>
+                    </a:p>
+                    <a:p>
+                      <a:pPr algn="ctr"/>
+                      <a:endParaRPr lang="en-US" altLang="zh-CN" dirty="0"/>
+                    </a:p>
+                    <a:p>
+                      <a:pPr algn="ctr"/>
+                      <a:endParaRPr lang="en-US" altLang="zh-CN" dirty="0"/>
+                    </a:p>
+                    <a:p>
+                      <a:pPr algn="ctr"/>
+                      <a:r>
+                        <a:rPr lang="en-US" altLang="zh-CN" dirty="0"/>
+                        <a:t>a[2][3]</a:t>
+                      </a:r>
+                      <a:endParaRPr lang="zh-CN" altLang="en-US" dirty="0"/>
+                    </a:p>
+                  </a:txBody>
+                  <a:tcPr/>
+                </a:tc>
+                <a:extLst>
+                  <a:ext uri="{0D108BD9-81ED-4DB2-BD59-A6C34878D82A}">
+                    <a16:rowId xmlns:a16="http://schemas.microsoft.com/office/drawing/2014/main" val="3713460400"/>
+                  </a:ext>
+                </a:extLst>
+              </a:tr>
+              <a:tr h="487680">
+                <a:tc>
+                  <a:txBody>
+                    <a:bodyPr/>
+                    <a:lstStyle/>
+                    <a:p>
+                      <a:pPr algn="ctr"/>
+                      <a:r>
+                        <a:rPr lang="en-US" altLang="zh-CN" dirty="0"/>
+                        <a:t>61fe04</a:t>
+                      </a:r>
+                      <a:endParaRPr lang="zh-CN" altLang="en-US" dirty="0"/>
+                    </a:p>
+                  </a:txBody>
+                  <a:tcPr>
+                    <a:solidFill>
+                      <a:srgbClr val="FFC000"/>
+                    </a:solidFill>
+                  </a:tcPr>
+                </a:tc>
+                <a:tc>
+                  <a:txBody>
+                    <a:bodyPr/>
+                    <a:lstStyle/>
+                    <a:p>
+                      <a:pPr algn="ctr"/>
+                      <a:r>
+                        <a:rPr lang="en-US" altLang="zh-CN" dirty="0"/>
+                        <a:t>a[0][1]</a:t>
+                      </a:r>
+                      <a:endParaRPr lang="zh-CN" altLang="en-US" dirty="0"/>
+                    </a:p>
+                  </a:txBody>
+                  <a:tcPr>
+                    <a:solidFill>
+                      <a:srgbClr val="FFC000"/>
+                    </a:solidFill>
+                  </a:tcPr>
+                </a:tc>
+                <a:tc vMerge="1">
+                  <a:txBody>
+                    <a:bodyPr/>
+                    <a:lstStyle/>
+                    <a:p>
+                      <a:pPr algn="ctr"/>
+                      <a:endParaRPr lang="zh-CN" altLang="en-US" dirty="0"/>
+                    </a:p>
+                  </a:txBody>
+                  <a:tcPr>
+                    <a:solidFill>
+                      <a:srgbClr val="FFC000"/>
+                    </a:solidFill>
+                  </a:tcPr>
+                </a:tc>
+                <a:tc vMerge="1">
+                  <a:txBody>
+                    <a:bodyPr/>
+                    <a:lstStyle/>
+                    <a:p>
+                      <a:endParaRPr lang="zh-CN" altLang="en-US"/>
+                    </a:p>
+                  </a:txBody>
+                  <a:tcPr/>
+                </a:tc>
+                <a:extLst>
+                  <a:ext uri="{0D108BD9-81ED-4DB2-BD59-A6C34878D82A}">
+                    <a16:rowId xmlns:a16="http://schemas.microsoft.com/office/drawing/2014/main" val="2929241147"/>
+                  </a:ext>
+                </a:extLst>
+              </a:tr>
+              <a:tr h="589975">
+                <a:tc>
+                  <a:txBody>
+                    <a:bodyPr/>
+                    <a:lstStyle/>
+                    <a:p>
+                      <a:pPr algn="ctr"/>
+                      <a:r>
+                        <a:rPr lang="en-US" altLang="zh-CN" dirty="0"/>
+                        <a:t>61fe08</a:t>
+                      </a:r>
+                      <a:endParaRPr lang="zh-CN" altLang="en-US" dirty="0"/>
+                    </a:p>
+                  </a:txBody>
+                  <a:tcPr>
+                    <a:solidFill>
+                      <a:srgbClr val="FFC000"/>
+                    </a:solidFill>
+                  </a:tcPr>
+                </a:tc>
+                <a:tc>
+                  <a:txBody>
+                    <a:bodyPr/>
+                    <a:lstStyle/>
+                    <a:p>
+                      <a:pPr algn="ctr"/>
+                      <a:r>
+                        <a:rPr lang="en-US" altLang="zh-CN" dirty="0"/>
+                        <a:t>a[0][2]</a:t>
+                      </a:r>
+                      <a:endParaRPr lang="zh-CN" altLang="en-US" dirty="0"/>
+                    </a:p>
+                  </a:txBody>
+                  <a:tcPr>
+                    <a:solidFill>
+                      <a:srgbClr val="FFC000"/>
+                    </a:solidFill>
+                  </a:tcPr>
+                </a:tc>
+                <a:tc vMerge="1">
+                  <a:txBody>
+                    <a:bodyPr/>
+                    <a:lstStyle/>
+                    <a:p>
+                      <a:pPr algn="ctr"/>
+                      <a:endParaRPr lang="zh-CN" altLang="en-US" dirty="0"/>
+                    </a:p>
+                  </a:txBody>
+                  <a:tcPr>
+                    <a:solidFill>
+                      <a:srgbClr val="FFC000"/>
+                    </a:solidFill>
+                  </a:tcPr>
+                </a:tc>
+                <a:tc vMerge="1">
+                  <a:txBody>
+                    <a:bodyPr/>
+                    <a:lstStyle/>
+                    <a:p>
+                      <a:endParaRPr lang="zh-CN" altLang="en-US"/>
+                    </a:p>
+                  </a:txBody>
+                  <a:tcPr/>
+                </a:tc>
+                <a:extLst>
+                  <a:ext uri="{0D108BD9-81ED-4DB2-BD59-A6C34878D82A}">
+                    <a16:rowId xmlns:a16="http://schemas.microsoft.com/office/drawing/2014/main" val="3790100324"/>
+                  </a:ext>
+                </a:extLst>
+              </a:tr>
+              <a:tr h="640080">
+                <a:tc>
+                  <a:txBody>
+                    <a:bodyPr/>
+                    <a:lstStyle/>
+                    <a:p>
+                      <a:pPr algn="ctr"/>
+                      <a:r>
+                        <a:rPr lang="en-US" altLang="zh-CN" dirty="0"/>
+                        <a:t>61fe0c</a:t>
+                      </a:r>
+                      <a:endParaRPr lang="zh-CN" altLang="en-US" dirty="0"/>
+                    </a:p>
+                  </a:txBody>
+                  <a:tcPr>
+                    <a:solidFill>
+                      <a:srgbClr val="92D050"/>
+                    </a:solidFill>
+                  </a:tcPr>
+                </a:tc>
+                <a:tc>
+                  <a:txBody>
+                    <a:bodyPr/>
+                    <a:lstStyle/>
+                    <a:p>
+                      <a:pPr algn="ctr"/>
+                      <a:r>
+                        <a:rPr lang="en-US" altLang="zh-CN" dirty="0"/>
+                        <a:t>a[1][0]</a:t>
+                      </a:r>
+                      <a:endParaRPr lang="zh-CN" altLang="en-US" dirty="0"/>
+                    </a:p>
+                  </a:txBody>
+                  <a:tcPr>
+                    <a:solidFill>
+                      <a:srgbClr val="92D050"/>
+                    </a:solidFill>
+                  </a:tcPr>
+                </a:tc>
+                <a:tc rowSpan="3">
+                  <a:txBody>
+                    <a:bodyPr/>
+                    <a:lstStyle/>
+                    <a:p>
+                      <a:pPr marL="0" marR="0" lvl="0" indent="0" algn="ctr" defTabSz="914400" rtl="0" eaLnBrk="1" fontAlgn="auto" latinLnBrk="0" hangingPunct="1">
+                        <a:lnSpc>
+                          <a:spcPct val="100000"/>
+                        </a:lnSpc>
+                        <a:spcBef>
+                          <a:spcPts val="0"/>
+                        </a:spcBef>
+                        <a:spcAft>
+                          <a:spcPts val="0"/>
+                        </a:spcAft>
+                        <a:buClrTx/>
+                        <a:buSzTx/>
+                        <a:buFontTx/>
+                        <a:buNone/>
+                        <a:tabLst/>
+                        <a:defRPr/>
+                      </a:pPr>
+                      <a:endParaRPr lang="en-US" altLang="zh-CN" dirty="0"/>
+                    </a:p>
+                    <a:p>
+                      <a:pPr marL="0" marR="0" lvl="0" indent="0" algn="ctr" defTabSz="914400" rtl="0" eaLnBrk="1" fontAlgn="auto" latinLnBrk="0" hangingPunct="1">
+                        <a:lnSpc>
+                          <a:spcPct val="100000"/>
+                        </a:lnSpc>
+                        <a:spcBef>
+                          <a:spcPts val="0"/>
+                        </a:spcBef>
+                        <a:spcAft>
+                          <a:spcPts val="0"/>
+                        </a:spcAft>
+                        <a:buClrTx/>
+                        <a:buSzTx/>
+                        <a:buFontTx/>
+                        <a:buNone/>
+                        <a:tabLst/>
+                        <a:defRPr/>
+                      </a:pPr>
+                      <a:r>
+                        <a:rPr lang="en-US" altLang="zh-CN" dirty="0"/>
+                        <a:t>a[1]</a:t>
+                      </a:r>
+                      <a:endParaRPr lang="zh-CN" altLang="en-US" dirty="0"/>
+                    </a:p>
+                    <a:p>
+                      <a:pPr algn="ctr"/>
+                      <a:endParaRPr lang="zh-CN" altLang="en-US" dirty="0"/>
+                    </a:p>
+                  </a:txBody>
+                  <a:tcPr>
+                    <a:solidFill>
+                      <a:srgbClr val="92D050"/>
+                    </a:solidFill>
+                  </a:tcPr>
+                </a:tc>
+                <a:tc vMerge="1">
+                  <a:txBody>
+                    <a:bodyPr/>
+                    <a:lstStyle/>
+                    <a:p>
+                      <a:pPr algn="ctr"/>
+                      <a:endParaRPr lang="zh-CN" altLang="en-US" dirty="0"/>
+                    </a:p>
+                  </a:txBody>
+                  <a:tcPr/>
+                </a:tc>
+                <a:extLst>
+                  <a:ext uri="{0D108BD9-81ED-4DB2-BD59-A6C34878D82A}">
+                    <a16:rowId xmlns:a16="http://schemas.microsoft.com/office/drawing/2014/main" val="2678589340"/>
+                  </a:ext>
+                </a:extLst>
+              </a:tr>
+              <a:tr h="327242">
+                <a:tc>
+                  <a:txBody>
+                    <a:bodyPr/>
+                    <a:lstStyle/>
+                    <a:p>
+                      <a:pPr algn="ctr"/>
+                      <a:r>
+                        <a:rPr lang="en-US" altLang="zh-CN" dirty="0"/>
+                        <a:t>61fe10</a:t>
+                      </a:r>
+                      <a:endParaRPr lang="zh-CN" altLang="en-US" dirty="0"/>
+                    </a:p>
+                  </a:txBody>
+                  <a:tcPr/>
+                </a:tc>
+                <a:tc>
+                  <a:txBody>
+                    <a:bodyPr/>
+                    <a:lstStyle/>
+                    <a:p>
+                      <a:pPr marL="0" marR="0" lvl="0" indent="0" algn="ctr" defTabSz="914400" rtl="0" eaLnBrk="1" fontAlgn="auto" latinLnBrk="0" hangingPunct="1">
+                        <a:lnSpc>
+                          <a:spcPct val="100000"/>
+                        </a:lnSpc>
+                        <a:spcBef>
+                          <a:spcPts val="0"/>
+                        </a:spcBef>
+                        <a:spcAft>
+                          <a:spcPts val="0"/>
+                        </a:spcAft>
+                        <a:buClrTx/>
+                        <a:buSzTx/>
+                        <a:buFontTx/>
+                        <a:buNone/>
+                        <a:tabLst/>
+                        <a:defRPr/>
+                      </a:pPr>
+                      <a:r>
+                        <a:rPr lang="en-US" altLang="zh-CN" dirty="0"/>
+                        <a:t>a[1][1]</a:t>
+                      </a:r>
+                      <a:endParaRPr lang="zh-CN" altLang="en-US" dirty="0"/>
+                    </a:p>
+                    <a:p>
+                      <a:pPr algn="ctr"/>
+                      <a:endParaRPr lang="zh-CN" altLang="en-US" dirty="0"/>
+                    </a:p>
+                  </a:txBody>
+                  <a:tcPr>
+                    <a:solidFill>
+                      <a:srgbClr val="92D050"/>
+                    </a:solidFill>
+                  </a:tcPr>
+                </a:tc>
+                <a:tc vMerge="1">
+                  <a:txBody>
+                    <a:bodyPr/>
+                    <a:lstStyle/>
+                    <a:p>
+                      <a:pPr algn="ctr"/>
+                      <a:endParaRPr lang="zh-CN" altLang="en-US" dirty="0"/>
+                    </a:p>
+                  </a:txBody>
+                  <a:tcPr>
+                    <a:solidFill>
+                      <a:srgbClr val="92D050"/>
+                    </a:solidFill>
+                  </a:tcPr>
+                </a:tc>
+                <a:tc vMerge="1">
+                  <a:txBody>
+                    <a:bodyPr/>
+                    <a:lstStyle/>
+                    <a:p>
+                      <a:endParaRPr lang="zh-CN" altLang="en-US"/>
+                    </a:p>
+                  </a:txBody>
+                  <a:tcPr/>
+                </a:tc>
+                <a:extLst>
+                  <a:ext uri="{0D108BD9-81ED-4DB2-BD59-A6C34878D82A}">
+                    <a16:rowId xmlns:a16="http://schemas.microsoft.com/office/drawing/2014/main" val="4082940700"/>
+                  </a:ext>
+                </a:extLst>
+              </a:tr>
+              <a:tr h="187327">
+                <a:tc>
+                  <a:txBody>
+                    <a:bodyPr/>
+                    <a:lstStyle/>
+                    <a:p>
+                      <a:pPr algn="ctr"/>
+                      <a:r>
+                        <a:rPr lang="en-US" altLang="zh-CN" dirty="0"/>
+                        <a:t>61fe14</a:t>
+                      </a:r>
+                      <a:endParaRPr lang="zh-CN" altLang="en-US" dirty="0"/>
+                    </a:p>
+                  </a:txBody>
+                  <a:tcPr/>
+                </a:tc>
+                <a:tc>
+                  <a:txBody>
+                    <a:bodyPr/>
+                    <a:lstStyle/>
+                    <a:p>
+                      <a:pPr marL="0" marR="0" lvl="0" indent="0" algn="ctr" defTabSz="914400" rtl="0" eaLnBrk="1" fontAlgn="auto" latinLnBrk="0" hangingPunct="1">
+                        <a:lnSpc>
+                          <a:spcPct val="100000"/>
+                        </a:lnSpc>
+                        <a:spcBef>
+                          <a:spcPts val="0"/>
+                        </a:spcBef>
+                        <a:spcAft>
+                          <a:spcPts val="0"/>
+                        </a:spcAft>
+                        <a:buClrTx/>
+                        <a:buSzTx/>
+                        <a:buFontTx/>
+                        <a:buNone/>
+                        <a:tabLst/>
+                        <a:defRPr/>
+                      </a:pPr>
+                      <a:r>
+                        <a:rPr lang="en-US" altLang="zh-CN" dirty="0"/>
+                        <a:t>a[1][2]</a:t>
+                      </a:r>
+                      <a:endParaRPr lang="zh-CN" altLang="en-US" dirty="0"/>
+                    </a:p>
+                    <a:p>
+                      <a:pPr algn="ctr"/>
+                      <a:endParaRPr lang="zh-CN" altLang="en-US" dirty="0"/>
+                    </a:p>
+                  </a:txBody>
+                  <a:tcPr>
+                    <a:solidFill>
+                      <a:srgbClr val="92D050"/>
+                    </a:solidFill>
+                  </a:tcPr>
+                </a:tc>
+                <a:tc vMerge="1">
+                  <a:txBody>
+                    <a:bodyPr/>
+                    <a:lstStyle/>
+                    <a:p>
+                      <a:pPr algn="ctr"/>
+                      <a:endParaRPr lang="zh-CN" altLang="en-US" dirty="0"/>
+                    </a:p>
+                  </a:txBody>
+                  <a:tcPr>
+                    <a:solidFill>
+                      <a:srgbClr val="92D050"/>
+                    </a:solidFill>
+                  </a:tcPr>
+                </a:tc>
+                <a:tc vMerge="1">
+                  <a:txBody>
+                    <a:bodyPr/>
+                    <a:lstStyle/>
+                    <a:p>
+                      <a:endParaRPr lang="zh-CN" altLang="en-US"/>
+                    </a:p>
+                  </a:txBody>
+                  <a:tcPr/>
+                </a:tc>
+                <a:extLst>
+                  <a:ext uri="{0D108BD9-81ED-4DB2-BD59-A6C34878D82A}">
+                    <a16:rowId xmlns:a16="http://schemas.microsoft.com/office/drawing/2014/main" val="2790124406"/>
+                  </a:ext>
+                </a:extLst>
+              </a:tr>
+              <a:tr h="0">
+                <a:tc>
+                  <a:txBody>
+                    <a:bodyPr/>
+                    <a:lstStyle/>
+                    <a:p>
+                      <a:endParaRPr lang="zh-CN" altLang="en-US" dirty="0"/>
+                    </a:p>
+                  </a:txBody>
+                  <a:tcPr>
+                    <a:solidFill>
+                      <a:srgbClr val="00B0F0"/>
+                    </a:solidFill>
+                  </a:tcPr>
+                </a:tc>
+                <a:tc rowSpan="4" gridSpan="2">
+                  <a:txBody>
+                    <a:bodyPr/>
+                    <a:lstStyle/>
+                    <a:p>
+                      <a:pPr algn="ctr"/>
+                      <a:endParaRPr lang="zh-CN" altLang="en-US" dirty="0"/>
+                    </a:p>
+                  </a:txBody>
+                  <a:tcPr>
+                    <a:solidFill>
+                      <a:srgbClr val="00B0F0"/>
+                    </a:solidFill>
+                  </a:tcPr>
+                </a:tc>
+                <a:tc rowSpan="4" hMerge="1">
+                  <a:txBody>
+                    <a:bodyPr/>
+                    <a:lstStyle/>
+                    <a:p>
+                      <a:endParaRPr lang="zh-CN" altLang="en-US"/>
+                    </a:p>
+                  </a:txBody>
+                  <a:tcPr/>
+                </a:tc>
+                <a:tc rowSpan="4">
+                  <a:txBody>
+                    <a:bodyPr/>
+                    <a:lstStyle/>
+                    <a:p>
+                      <a:pPr algn="ctr"/>
+                      <a:endParaRPr lang="zh-CN" altLang="en-US" dirty="0"/>
+                    </a:p>
+                  </a:txBody>
+                  <a:tcPr/>
+                </a:tc>
+                <a:extLst>
+                  <a:ext uri="{0D108BD9-81ED-4DB2-BD59-A6C34878D82A}">
+                    <a16:rowId xmlns:a16="http://schemas.microsoft.com/office/drawing/2014/main" val="187359546"/>
+                  </a:ext>
+                </a:extLst>
+              </a:tr>
+              <a:tr h="273050">
+                <a:tc>
+                  <a:txBody>
+                    <a:bodyPr/>
+                    <a:lstStyle/>
+                    <a:p>
+                      <a:endParaRPr lang="zh-CN" altLang="en-US" dirty="0"/>
+                    </a:p>
+                  </a:txBody>
+                  <a:tcPr/>
+                </a:tc>
+                <a:tc gridSpan="2" vMerge="1">
+                  <a:txBody>
+                    <a:bodyPr/>
+                    <a:lstStyle/>
+                    <a:p>
+                      <a:endParaRPr lang="zh-CN" altLang="en-US"/>
+                    </a:p>
+                  </a:txBody>
+                  <a:tcPr/>
+                </a:tc>
+                <a:tc hMerge="1" vMerge="1">
+                  <a:txBody>
+                    <a:bodyPr/>
+                    <a:lstStyle/>
+                    <a:p>
+                      <a:endParaRPr lang="zh-CN" altLang="en-US"/>
+                    </a:p>
+                  </a:txBody>
+                  <a:tcPr/>
+                </a:tc>
+                <a:tc vMerge="1">
+                  <a:txBody>
+                    <a:bodyPr/>
+                    <a:lstStyle/>
+                    <a:p>
+                      <a:endParaRPr lang="zh-CN" altLang="en-US"/>
+                    </a:p>
+                  </a:txBody>
+                  <a:tcPr/>
+                </a:tc>
+                <a:extLst>
+                  <a:ext uri="{0D108BD9-81ED-4DB2-BD59-A6C34878D82A}">
+                    <a16:rowId xmlns:a16="http://schemas.microsoft.com/office/drawing/2014/main" val="2874657037"/>
+                  </a:ext>
+                </a:extLst>
+              </a:tr>
+              <a:tr h="180340">
+                <a:tc>
+                  <a:txBody>
+                    <a:bodyPr/>
+                    <a:lstStyle/>
+                    <a:p>
+                      <a:endParaRPr lang="zh-CN" altLang="en-US" dirty="0"/>
+                    </a:p>
+                  </a:txBody>
+                  <a:tcPr/>
+                </a:tc>
+                <a:tc gridSpan="2" vMerge="1">
+                  <a:txBody>
+                    <a:bodyPr/>
+                    <a:lstStyle/>
+                    <a:p>
+                      <a:endParaRPr lang="zh-CN" altLang="en-US"/>
+                    </a:p>
+                  </a:txBody>
+                  <a:tcPr/>
+                </a:tc>
+                <a:tc hMerge="1" vMerge="1">
+                  <a:txBody>
+                    <a:bodyPr/>
+                    <a:lstStyle/>
+                    <a:p>
+                      <a:endParaRPr lang="zh-CN" altLang="en-US"/>
+                    </a:p>
+                  </a:txBody>
+                  <a:tcPr/>
+                </a:tc>
+                <a:tc vMerge="1">
+                  <a:txBody>
+                    <a:bodyPr/>
+                    <a:lstStyle/>
+                    <a:p>
+                      <a:endParaRPr lang="zh-CN" altLang="en-US"/>
+                    </a:p>
+                  </a:txBody>
+                  <a:tcPr/>
+                </a:tc>
+                <a:extLst>
+                  <a:ext uri="{0D108BD9-81ED-4DB2-BD59-A6C34878D82A}">
+                    <a16:rowId xmlns:a16="http://schemas.microsoft.com/office/drawing/2014/main" val="1734132499"/>
+                  </a:ext>
+                </a:extLst>
+              </a:tr>
+              <a:tr h="0">
+                <a:tc>
+                  <a:txBody>
+                    <a:bodyPr/>
+                    <a:lstStyle/>
+                    <a:p>
+                      <a:endParaRPr lang="zh-CN" altLang="en-US" dirty="0"/>
+                    </a:p>
+                  </a:txBody>
+                  <a:tcPr/>
+                </a:tc>
+                <a:tc gridSpan="2" vMerge="1">
+                  <a:txBody>
+                    <a:bodyPr/>
+                    <a:lstStyle/>
+                    <a:p>
+                      <a:endParaRPr lang="zh-CN" altLang="en-US"/>
+                    </a:p>
+                  </a:txBody>
+                  <a:tcPr/>
+                </a:tc>
+                <a:tc hMerge="1" vMerge="1">
+                  <a:txBody>
+                    <a:bodyPr/>
+                    <a:lstStyle/>
+                    <a:p>
+                      <a:endParaRPr lang="zh-CN" altLang="en-US"/>
+                    </a:p>
+                  </a:txBody>
+                  <a:tcPr/>
+                </a:tc>
+                <a:tc vMerge="1">
+                  <a:txBody>
+                    <a:bodyPr/>
+                    <a:lstStyle/>
+                    <a:p>
+                      <a:endParaRPr lang="zh-CN" altLang="en-US"/>
+                    </a:p>
+                  </a:txBody>
+                  <a:tcPr/>
+                </a:tc>
+                <a:extLst>
+                  <a:ext uri="{0D108BD9-81ED-4DB2-BD59-A6C34878D82A}">
+                    <a16:rowId xmlns:a16="http://schemas.microsoft.com/office/drawing/2014/main" val="3261652352"/>
+                  </a:ext>
+                </a:extLst>
+              </a:tr>
+              <a:tr h="370840">
+                <a:tc>
+                  <a:txBody>
+                    <a:bodyPr/>
+                    <a:lstStyle/>
+                    <a:p>
+                      <a:endParaRPr lang="zh-CN" altLang="en-US"/>
+                    </a:p>
+                  </a:txBody>
+                  <a:tcPr/>
+                </a:tc>
+                <a:tc gridSpan="2">
+                  <a:txBody>
+                    <a:bodyPr/>
+                    <a:lstStyle/>
+                    <a:p>
+                      <a:endParaRPr lang="zh-CN" altLang="en-US"/>
+                    </a:p>
+                  </a:txBody>
+                  <a:tcPr/>
+                </a:tc>
+                <a:tc hMerge="1">
+                  <a:txBody>
+                    <a:bodyPr/>
+                    <a:lstStyle/>
+                    <a:p>
+                      <a:endParaRPr lang="zh-CN" altLang="en-US"/>
+                    </a:p>
+                  </a:txBody>
+                  <a:tcPr/>
+                </a:tc>
+                <a:tc>
+                  <a:txBody>
+                    <a:bodyPr/>
+                    <a:lstStyle/>
+                    <a:p>
+                      <a:endParaRPr lang="zh-CN" altLang="en-US"/>
+                    </a:p>
+                  </a:txBody>
+                  <a:tcPr/>
+                </a:tc>
+                <a:extLst>
+                  <a:ext uri="{0D108BD9-81ED-4DB2-BD59-A6C34878D82A}">
+                    <a16:rowId xmlns:a16="http://schemas.microsoft.com/office/drawing/2014/main" val="408775364"/>
+                  </a:ext>
+                </a:extLst>
+              </a:tr>
+              <a:tr h="370840">
+                <a:tc>
+                  <a:txBody>
+                    <a:bodyPr/>
+                    <a:lstStyle/>
+                    <a:p>
+                      <a:endParaRPr lang="zh-CN" altLang="en-US"/>
+                    </a:p>
+                  </a:txBody>
+                  <a:tcPr/>
+                </a:tc>
+                <a:tc gridSpan="2">
+                  <a:txBody>
+                    <a:bodyPr/>
+                    <a:lstStyle/>
+                    <a:p>
+                      <a:endParaRPr lang="zh-CN" altLang="en-US"/>
+                    </a:p>
+                  </a:txBody>
+                  <a:tcPr/>
+                </a:tc>
+                <a:tc hMerge="1">
+                  <a:txBody>
+                    <a:bodyPr/>
+                    <a:lstStyle/>
+                    <a:p>
+                      <a:endParaRPr lang="zh-CN" altLang="en-US"/>
+                    </a:p>
+                  </a:txBody>
+                  <a:tcPr/>
+                </a:tc>
+                <a:tc>
+                  <a:txBody>
+                    <a:bodyPr/>
+                    <a:lstStyle/>
+                    <a:p>
+                      <a:endParaRPr lang="zh-CN" altLang="en-US"/>
+                    </a:p>
+                  </a:txBody>
+                  <a:tcPr/>
+                </a:tc>
+                <a:extLst>
+                  <a:ext uri="{0D108BD9-81ED-4DB2-BD59-A6C34878D82A}">
+                    <a16:rowId xmlns:a16="http://schemas.microsoft.com/office/drawing/2014/main" val="515872153"/>
+                  </a:ext>
+                </a:extLst>
+              </a:tr>
+              <a:tr h="370840">
+                <a:tc>
+                  <a:txBody>
+                    <a:bodyPr/>
+                    <a:lstStyle/>
+                    <a:p>
+                      <a:endParaRPr lang="zh-CN" altLang="en-US"/>
+                    </a:p>
+                  </a:txBody>
+                  <a:tcPr/>
+                </a:tc>
+                <a:tc gridSpan="2">
+                  <a:txBody>
+                    <a:bodyPr/>
+                    <a:lstStyle/>
+                    <a:p>
+                      <a:endParaRPr lang="zh-CN" altLang="en-US"/>
+                    </a:p>
+                  </a:txBody>
+                  <a:tcPr/>
+                </a:tc>
+                <a:tc hMerge="1">
+                  <a:txBody>
+                    <a:bodyPr/>
+                    <a:lstStyle/>
+                    <a:p>
+                      <a:endParaRPr lang="zh-CN" altLang="en-US"/>
+                    </a:p>
+                  </a:txBody>
+                  <a:tcPr/>
+                </a:tc>
+                <a:tc>
+                  <a:txBody>
+                    <a:bodyPr/>
+                    <a:lstStyle/>
+                    <a:p>
+                      <a:endParaRPr lang="zh-CN" altLang="en-US"/>
+                    </a:p>
+                  </a:txBody>
+                  <a:tcPr/>
+                </a:tc>
+                <a:extLst>
+                  <a:ext uri="{0D108BD9-81ED-4DB2-BD59-A6C34878D82A}">
+                    <a16:rowId xmlns:a16="http://schemas.microsoft.com/office/drawing/2014/main" val="2016990322"/>
+                  </a:ext>
+                </a:extLst>
+              </a:tr>
+              <a:tr h="370840">
+                <a:tc>
+                  <a:txBody>
+                    <a:bodyPr/>
+                    <a:lstStyle/>
+                    <a:p>
+                      <a:endParaRPr lang="zh-CN" altLang="en-US"/>
+                    </a:p>
+                  </a:txBody>
+                  <a:tcPr/>
+                </a:tc>
+                <a:tc gridSpan="2">
+                  <a:txBody>
+                    <a:bodyPr/>
+                    <a:lstStyle/>
+                    <a:p>
+                      <a:endParaRPr lang="zh-CN" altLang="en-US"/>
+                    </a:p>
+                  </a:txBody>
+                  <a:tcPr/>
+                </a:tc>
+                <a:tc hMerge="1">
+                  <a:txBody>
+                    <a:bodyPr/>
+                    <a:lstStyle/>
+                    <a:p>
+                      <a:endParaRPr lang="zh-CN" altLang="en-US"/>
+                    </a:p>
+                  </a:txBody>
+                  <a:tcPr/>
+                </a:tc>
+                <a:tc>
+                  <a:txBody>
+                    <a:bodyPr/>
+                    <a:lstStyle/>
+                    <a:p>
+                      <a:endParaRPr lang="zh-CN" altLang="en-US" dirty="0"/>
+                    </a:p>
+                  </a:txBody>
+                  <a:tcPr/>
+                </a:tc>
+                <a:extLst>
+                  <a:ext uri="{0D108BD9-81ED-4DB2-BD59-A6C34878D82A}">
+                    <a16:rowId xmlns:a16="http://schemas.microsoft.com/office/drawing/2014/main" val="259612331"/>
+                  </a:ext>
+                </a:extLst>
+              </a:tr>
+            </a:tbl>
+          </a:graphicData>
+        </a:graphic>
+      </p:graphicFrame>
+    </p:spTree>
+    <p:extLst>
+      <p:ext uri="{BB962C8B-B14F-4D97-AF65-F5344CB8AC3E}">
+        <p14:creationId xmlns:p14="http://schemas.microsoft.com/office/powerpoint/2010/main" val="2975996635"/>
+      </p:ext>
+    </p:extLst>
+  </p:cSld>
+  <p:clrMapOvr>
+    <a:masterClrMapping/>
+  </p:clrMapOvr>
+</p:sld>
+</file>
+
 <file path=ppt/theme/theme1.xml><?xml version="1.0" encoding="utf-8"?>
 <a:theme xmlns:a="http://schemas.openxmlformats.org/drawingml/2006/main" name="Office 主题​​">
   <a:themeElements>
